--- a/Proyecto2/Presentacion Proyecto 2.pptx
+++ b/Proyecto2/Presentacion Proyecto 2.pptx
@@ -4,17 +4,17 @@
   <p:sldMasterIdLst>
     <p:sldMasterId id="2147483648" r:id="rId1"/>
   </p:sldMasterIdLst>
+  <p:notesMasterIdLst>
+    <p:notesMasterId r:id="rId9"/>
+  </p:notesMasterIdLst>
   <p:sldIdLst>
     <p:sldId id="256" r:id="rId2"/>
     <p:sldId id="257" r:id="rId3"/>
     <p:sldId id="258" r:id="rId4"/>
-    <p:sldId id="259" r:id="rId5"/>
-    <p:sldId id="260" r:id="rId6"/>
-    <p:sldId id="261" r:id="rId7"/>
+    <p:sldId id="266" r:id="rId5"/>
+    <p:sldId id="268" r:id="rId6"/>
+    <p:sldId id="267" r:id="rId7"/>
     <p:sldId id="262" r:id="rId8"/>
-    <p:sldId id="263" r:id="rId9"/>
-    <p:sldId id="264" r:id="rId10"/>
-    <p:sldId id="265" r:id="rId11"/>
   </p:sldIdLst>
   <p:sldSz cx="12192000" cy="6858000"/>
   <p:notesSz cx="6858000" cy="9144000"/>
@@ -121,6 +121,356 @@
 </p:presentation>
 </file>
 
+<file path=ppt/notesMasters/notesMaster1.xml><?xml version="1.0" encoding="utf-8"?>
+<p:notesMaster xmlns:a="http://schemas.openxmlformats.org/drawingml/2006/main" xmlns:r="http://schemas.openxmlformats.org/officeDocument/2006/relationships" xmlns:p="http://schemas.openxmlformats.org/presentationml/2006/main">
+  <p:cSld>
+    <p:bg>
+      <p:bgRef idx="1001">
+        <a:schemeClr val="bg1"/>
+      </p:bgRef>
+    </p:bg>
+    <p:spTree>
+      <p:nvGrpSpPr>
+        <p:cNvPr id="1" name=""/>
+        <p:cNvGrpSpPr/>
+        <p:nvPr/>
+      </p:nvGrpSpPr>
+      <p:grpSpPr>
+        <a:xfrm>
+          <a:off x="0" y="0"/>
+          <a:ext cx="0" cy="0"/>
+          <a:chOff x="0" y="0"/>
+          <a:chExt cx="0" cy="0"/>
+        </a:xfrm>
+      </p:grpSpPr>
+      <p:sp>
+        <p:nvSpPr>
+          <p:cNvPr id="2" name="Header Placeholder 1"/>
+          <p:cNvSpPr>
+            <a:spLocks noGrp="1"/>
+          </p:cNvSpPr>
+          <p:nvPr>
+            <p:ph type="hdr" sz="quarter"/>
+          </p:nvPr>
+        </p:nvSpPr>
+        <p:spPr>
+          <a:xfrm>
+            <a:off x="0" y="0"/>
+            <a:ext cx="2971800" cy="458788"/>
+          </a:xfrm>
+          <a:prstGeom prst="rect">
+            <a:avLst/>
+          </a:prstGeom>
+        </p:spPr>
+        <p:txBody>
+          <a:bodyPr vert="horz" lIns="91440" tIns="45720" rIns="91440" bIns="45720" rtlCol="0"/>
+          <a:lstStyle>
+            <a:lvl1pPr algn="l">
+              <a:defRPr sz="1200"/>
+            </a:lvl1pPr>
+          </a:lstStyle>
+          <a:p>
+            <a:endParaRPr lang="es-ES"/>
+          </a:p>
+        </p:txBody>
+      </p:sp>
+      <p:sp>
+        <p:nvSpPr>
+          <p:cNvPr id="3" name="Date Placeholder 2"/>
+          <p:cNvSpPr>
+            <a:spLocks noGrp="1"/>
+          </p:cNvSpPr>
+          <p:nvPr>
+            <p:ph type="dt" idx="1"/>
+          </p:nvPr>
+        </p:nvSpPr>
+        <p:spPr>
+          <a:xfrm>
+            <a:off x="3884613" y="0"/>
+            <a:ext cx="2971800" cy="458788"/>
+          </a:xfrm>
+          <a:prstGeom prst="rect">
+            <a:avLst/>
+          </a:prstGeom>
+        </p:spPr>
+        <p:txBody>
+          <a:bodyPr vert="horz" lIns="91440" tIns="45720" rIns="91440" bIns="45720" rtlCol="0"/>
+          <a:lstStyle>
+            <a:lvl1pPr algn="r">
+              <a:defRPr sz="1200"/>
+            </a:lvl1pPr>
+          </a:lstStyle>
+          <a:p>
+            <a:fld id="{FA381556-DB83-42E3-9DF7-63BB0A70D54F}" type="datetimeFigureOut">
+              <a:rPr lang="es-ES" smtClean="0"/>
+              <a:t>16/05/2019</a:t>
+            </a:fld>
+            <a:endParaRPr lang="es-ES"/>
+          </a:p>
+        </p:txBody>
+      </p:sp>
+      <p:sp>
+        <p:nvSpPr>
+          <p:cNvPr id="4" name="Slide Image Placeholder 3"/>
+          <p:cNvSpPr>
+            <a:spLocks noGrp="1" noRot="1" noChangeAspect="1"/>
+          </p:cNvSpPr>
+          <p:nvPr>
+            <p:ph type="sldImg" idx="2"/>
+          </p:nvPr>
+        </p:nvSpPr>
+        <p:spPr>
+          <a:xfrm>
+            <a:off x="685800" y="1143000"/>
+            <a:ext cx="5486400" cy="3086100"/>
+          </a:xfrm>
+          <a:prstGeom prst="rect">
+            <a:avLst/>
+          </a:prstGeom>
+          <a:noFill/>
+          <a:ln w="12700">
+            <a:solidFill>
+              <a:prstClr val="black"/>
+            </a:solidFill>
+          </a:ln>
+        </p:spPr>
+        <p:txBody>
+          <a:bodyPr vert="horz" lIns="91440" tIns="45720" rIns="91440" bIns="45720" rtlCol="0" anchor="ctr"/>
+          <a:lstStyle/>
+          <a:p>
+            <a:endParaRPr lang="es-ES"/>
+          </a:p>
+        </p:txBody>
+      </p:sp>
+      <p:sp>
+        <p:nvSpPr>
+          <p:cNvPr id="5" name="Notes Placeholder 4"/>
+          <p:cNvSpPr>
+            <a:spLocks noGrp="1"/>
+          </p:cNvSpPr>
+          <p:nvPr>
+            <p:ph type="body" sz="quarter" idx="3"/>
+          </p:nvPr>
+        </p:nvSpPr>
+        <p:spPr>
+          <a:xfrm>
+            <a:off x="685800" y="4400550"/>
+            <a:ext cx="5486400" cy="3600450"/>
+          </a:xfrm>
+          <a:prstGeom prst="rect">
+            <a:avLst/>
+          </a:prstGeom>
+        </p:spPr>
+        <p:txBody>
+          <a:bodyPr vert="horz" lIns="91440" tIns="45720" rIns="91440" bIns="45720" rtlCol="0"/>
+          <a:lstStyle/>
+          <a:p>
+            <a:pPr lvl="0"/>
+            <a:r>
+              <a:rPr lang="en-US"/>
+              <a:t>Click to edit Master text styles</a:t>
+            </a:r>
+          </a:p>
+          <a:p>
+            <a:pPr lvl="1"/>
+            <a:r>
+              <a:rPr lang="en-US"/>
+              <a:t>Second level</a:t>
+            </a:r>
+          </a:p>
+          <a:p>
+            <a:pPr lvl="2"/>
+            <a:r>
+              <a:rPr lang="en-US"/>
+              <a:t>Third level</a:t>
+            </a:r>
+          </a:p>
+          <a:p>
+            <a:pPr lvl="3"/>
+            <a:r>
+              <a:rPr lang="en-US"/>
+              <a:t>Fourth level</a:t>
+            </a:r>
+          </a:p>
+          <a:p>
+            <a:pPr lvl="4"/>
+            <a:r>
+              <a:rPr lang="en-US"/>
+              <a:t>Fifth level</a:t>
+            </a:r>
+            <a:endParaRPr lang="es-ES"/>
+          </a:p>
+        </p:txBody>
+      </p:sp>
+      <p:sp>
+        <p:nvSpPr>
+          <p:cNvPr id="6" name="Footer Placeholder 5"/>
+          <p:cNvSpPr>
+            <a:spLocks noGrp="1"/>
+          </p:cNvSpPr>
+          <p:nvPr>
+            <p:ph type="ftr" sz="quarter" idx="4"/>
+          </p:nvPr>
+        </p:nvSpPr>
+        <p:spPr>
+          <a:xfrm>
+            <a:off x="0" y="8685213"/>
+            <a:ext cx="2971800" cy="458787"/>
+          </a:xfrm>
+          <a:prstGeom prst="rect">
+            <a:avLst/>
+          </a:prstGeom>
+        </p:spPr>
+        <p:txBody>
+          <a:bodyPr vert="horz" lIns="91440" tIns="45720" rIns="91440" bIns="45720" rtlCol="0" anchor="b"/>
+          <a:lstStyle>
+            <a:lvl1pPr algn="l">
+              <a:defRPr sz="1200"/>
+            </a:lvl1pPr>
+          </a:lstStyle>
+          <a:p>
+            <a:endParaRPr lang="es-ES"/>
+          </a:p>
+        </p:txBody>
+      </p:sp>
+      <p:sp>
+        <p:nvSpPr>
+          <p:cNvPr id="7" name="Slide Number Placeholder 6"/>
+          <p:cNvSpPr>
+            <a:spLocks noGrp="1"/>
+          </p:cNvSpPr>
+          <p:nvPr>
+            <p:ph type="sldNum" sz="quarter" idx="5"/>
+          </p:nvPr>
+        </p:nvSpPr>
+        <p:spPr>
+          <a:xfrm>
+            <a:off x="3884613" y="8685213"/>
+            <a:ext cx="2971800" cy="458787"/>
+          </a:xfrm>
+          <a:prstGeom prst="rect">
+            <a:avLst/>
+          </a:prstGeom>
+        </p:spPr>
+        <p:txBody>
+          <a:bodyPr vert="horz" lIns="91440" tIns="45720" rIns="91440" bIns="45720" rtlCol="0" anchor="b"/>
+          <a:lstStyle>
+            <a:lvl1pPr algn="r">
+              <a:defRPr sz="1200"/>
+            </a:lvl1pPr>
+          </a:lstStyle>
+          <a:p>
+            <a:fld id="{6D1713F5-368F-43A3-A9EA-A08AF0653754}" type="slidenum">
+              <a:rPr lang="es-ES" smtClean="0"/>
+              <a:t>‹#›</a:t>
+            </a:fld>
+            <a:endParaRPr lang="es-ES"/>
+          </a:p>
+        </p:txBody>
+      </p:sp>
+    </p:spTree>
+    <p:extLst>
+      <p:ext uri="{BB962C8B-B14F-4D97-AF65-F5344CB8AC3E}">
+        <p14:creationId xmlns:p14="http://schemas.microsoft.com/office/powerpoint/2010/main" val="2519345250"/>
+      </p:ext>
+    </p:extLst>
+  </p:cSld>
+  <p:clrMap bg1="lt1" tx1="dk1" bg2="lt2" tx2="dk2" accent1="accent1" accent2="accent2" accent3="accent3" accent4="accent4" accent5="accent5" accent6="accent6" hlink="hlink" folHlink="folHlink"/>
+  <p:notesStyle>
+    <a:lvl1pPr marL="0" algn="l" defTabSz="914400" rtl="0" eaLnBrk="1" latinLnBrk="0" hangingPunct="1">
+      <a:defRPr sz="1200" kern="1200">
+        <a:solidFill>
+          <a:schemeClr val="tx1"/>
+        </a:solidFill>
+        <a:latin typeface="+mn-lt"/>
+        <a:ea typeface="+mn-ea"/>
+        <a:cs typeface="+mn-cs"/>
+      </a:defRPr>
+    </a:lvl1pPr>
+    <a:lvl2pPr marL="457200" algn="l" defTabSz="914400" rtl="0" eaLnBrk="1" latinLnBrk="0" hangingPunct="1">
+      <a:defRPr sz="1200" kern="1200">
+        <a:solidFill>
+          <a:schemeClr val="tx1"/>
+        </a:solidFill>
+        <a:latin typeface="+mn-lt"/>
+        <a:ea typeface="+mn-ea"/>
+        <a:cs typeface="+mn-cs"/>
+      </a:defRPr>
+    </a:lvl2pPr>
+    <a:lvl3pPr marL="914400" algn="l" defTabSz="914400" rtl="0" eaLnBrk="1" latinLnBrk="0" hangingPunct="1">
+      <a:defRPr sz="1200" kern="1200">
+        <a:solidFill>
+          <a:schemeClr val="tx1"/>
+        </a:solidFill>
+        <a:latin typeface="+mn-lt"/>
+        <a:ea typeface="+mn-ea"/>
+        <a:cs typeface="+mn-cs"/>
+      </a:defRPr>
+    </a:lvl3pPr>
+    <a:lvl4pPr marL="1371600" algn="l" defTabSz="914400" rtl="0" eaLnBrk="1" latinLnBrk="0" hangingPunct="1">
+      <a:defRPr sz="1200" kern="1200">
+        <a:solidFill>
+          <a:schemeClr val="tx1"/>
+        </a:solidFill>
+        <a:latin typeface="+mn-lt"/>
+        <a:ea typeface="+mn-ea"/>
+        <a:cs typeface="+mn-cs"/>
+      </a:defRPr>
+    </a:lvl4pPr>
+    <a:lvl5pPr marL="1828800" algn="l" defTabSz="914400" rtl="0" eaLnBrk="1" latinLnBrk="0" hangingPunct="1">
+      <a:defRPr sz="1200" kern="1200">
+        <a:solidFill>
+          <a:schemeClr val="tx1"/>
+        </a:solidFill>
+        <a:latin typeface="+mn-lt"/>
+        <a:ea typeface="+mn-ea"/>
+        <a:cs typeface="+mn-cs"/>
+      </a:defRPr>
+    </a:lvl5pPr>
+    <a:lvl6pPr marL="2286000" algn="l" defTabSz="914400" rtl="0" eaLnBrk="1" latinLnBrk="0" hangingPunct="1">
+      <a:defRPr sz="1200" kern="1200">
+        <a:solidFill>
+          <a:schemeClr val="tx1"/>
+        </a:solidFill>
+        <a:latin typeface="+mn-lt"/>
+        <a:ea typeface="+mn-ea"/>
+        <a:cs typeface="+mn-cs"/>
+      </a:defRPr>
+    </a:lvl6pPr>
+    <a:lvl7pPr marL="2743200" algn="l" defTabSz="914400" rtl="0" eaLnBrk="1" latinLnBrk="0" hangingPunct="1">
+      <a:defRPr sz="1200" kern="1200">
+        <a:solidFill>
+          <a:schemeClr val="tx1"/>
+        </a:solidFill>
+        <a:latin typeface="+mn-lt"/>
+        <a:ea typeface="+mn-ea"/>
+        <a:cs typeface="+mn-cs"/>
+      </a:defRPr>
+    </a:lvl7pPr>
+    <a:lvl8pPr marL="3200400" algn="l" defTabSz="914400" rtl="0" eaLnBrk="1" latinLnBrk="0" hangingPunct="1">
+      <a:defRPr sz="1200" kern="1200">
+        <a:solidFill>
+          <a:schemeClr val="tx1"/>
+        </a:solidFill>
+        <a:latin typeface="+mn-lt"/>
+        <a:ea typeface="+mn-ea"/>
+        <a:cs typeface="+mn-cs"/>
+      </a:defRPr>
+    </a:lvl8pPr>
+    <a:lvl9pPr marL="3657600" algn="l" defTabSz="914400" rtl="0" eaLnBrk="1" latinLnBrk="0" hangingPunct="1">
+      <a:defRPr sz="1200" kern="1200">
+        <a:solidFill>
+          <a:schemeClr val="tx1"/>
+        </a:solidFill>
+        <a:latin typeface="+mn-lt"/>
+        <a:ea typeface="+mn-ea"/>
+        <a:cs typeface="+mn-cs"/>
+      </a:defRPr>
+    </a:lvl9pPr>
+  </p:notesStyle>
+</p:notesMaster>
+</file>
+
 <file path=ppt/slideLayouts/slideLayout1.xml><?xml version="1.0" encoding="utf-8"?>
 <p:sldLayout xmlns:a="http://schemas.openxmlformats.org/drawingml/2006/main" xmlns:r="http://schemas.openxmlformats.org/officeDocument/2006/relationships" xmlns:p="http://schemas.openxmlformats.org/presentationml/2006/main" showMasterSp="0" type="title" preserve="1">
   <p:cSld name="Diapositiva de título">
@@ -454,9 +804,8 @@
             </a:lvl1pPr>
           </a:lstStyle>
           <a:p>
-            <a:fld id="{5923F103-BC34-4FE4-A40E-EDDEECFDA5D0}" type="datetimeFigureOut">
-              <a:rPr lang="en-US" dirty="0"/>
-              <a:pPr/>
+            <a:fld id="{4F64CE53-3731-4B2D-9A5B-638BC2278C29}" type="datetime1">
+              <a:rPr lang="en-US" smtClean="0"/>
               <a:t>5/16/2019</a:t>
             </a:fld>
             <a:endParaRPr lang="en-US" dirty="0"/>
@@ -560,7 +909,7 @@
             <a:fld id="{D57F1E4F-1CFF-5643-939E-217C01CDF565}" type="slidenum">
               <a:rPr lang="en-US" dirty="0"/>
               <a:pPr/>
-              <a:t>‹Nº›</a:t>
+              <a:t>‹#›</a:t>
             </a:fld>
             <a:endParaRPr lang="en-US" dirty="0"/>
           </a:p>
@@ -1543,8 +1892,8 @@
           <a:bodyPr/>
           <a:lstStyle/>
           <a:p>
-            <a:fld id="{923A1CC3-2375-41D4-9E03-427CAF2A4C1A}" type="datetimeFigureOut">
-              <a:rPr lang="en-US" dirty="0"/>
+            <a:fld id="{C53CF028-07E6-4A22-9657-F743047C878C}" type="datetime1">
+              <a:rPr lang="en-US" smtClean="0"/>
               <a:t>5/16/2019</a:t>
             </a:fld>
             <a:endParaRPr lang="en-US" dirty="0"/>
@@ -1628,7 +1977,7 @@
             <a:fld id="{D57F1E4F-1CFF-5643-939E-217C01CDF565}" type="slidenum">
               <a:rPr lang="en-US" dirty="0"/>
               <a:pPr/>
-              <a:t>‹Nº›</a:t>
+              <a:t>‹#›</a:t>
             </a:fld>
             <a:endParaRPr lang="en-US" dirty="0"/>
           </a:p>
@@ -2523,8 +2872,8 @@
           <a:bodyPr/>
           <a:lstStyle/>
           <a:p>
-            <a:fld id="{AFF16868-8199-4C2C-A5B1-63AEE139F88E}" type="datetimeFigureOut">
-              <a:rPr lang="en-US" dirty="0"/>
+            <a:fld id="{4DCCE13F-1B35-4D4D-8FFC-AB4DDA356BA5}" type="datetime1">
+              <a:rPr lang="en-US" smtClean="0"/>
               <a:t>5/16/2019</a:t>
             </a:fld>
             <a:endParaRPr lang="en-US" dirty="0"/>
@@ -2608,7 +2957,7 @@
             <a:fld id="{D57F1E4F-1CFF-5643-939E-217C01CDF565}" type="slidenum">
               <a:rPr lang="en-US" dirty="0"/>
               <a:pPr/>
-              <a:t>‹Nº›</a:t>
+              <a:t>‹#›</a:t>
             </a:fld>
             <a:endParaRPr lang="en-US" dirty="0"/>
           </a:p>
@@ -3657,8 +4006,8 @@
           <a:bodyPr/>
           <a:lstStyle/>
           <a:p>
-            <a:fld id="{AAD9FF7F-6988-44CC-821B-644E70CD2F73}" type="datetimeFigureOut">
-              <a:rPr lang="en-US" dirty="0"/>
+            <a:fld id="{3B8E737E-DF63-42D2-B2ED-C54F37860EC7}" type="datetime1">
+              <a:rPr lang="en-US" smtClean="0"/>
               <a:t>5/16/2019</a:t>
             </a:fld>
             <a:endParaRPr lang="en-US" dirty="0"/>
@@ -3742,7 +4091,7 @@
             <a:fld id="{D57F1E4F-1CFF-5643-939E-217C01CDF565}" type="slidenum">
               <a:rPr lang="en-US" dirty="0"/>
               <a:pPr/>
-              <a:t>‹Nº›</a:t>
+              <a:t>‹#›</a:t>
             </a:fld>
             <a:endParaRPr lang="en-US" dirty="0"/>
           </a:p>
@@ -4690,8 +5039,8 @@
           <a:bodyPr/>
           <a:lstStyle/>
           <a:p>
-            <a:fld id="{5C12C299-16B2-4475-990D-751901EACC14}" type="datetimeFigureOut">
-              <a:rPr lang="en-US" dirty="0"/>
+            <a:fld id="{09B5098D-F18D-420C-B193-C10BB679B5D3}" type="datetime1">
+              <a:rPr lang="en-US" smtClean="0"/>
               <a:t>5/16/2019</a:t>
             </a:fld>
             <a:endParaRPr lang="en-US" dirty="0"/>
@@ -4775,7 +5124,7 @@
             <a:fld id="{D57F1E4F-1CFF-5643-939E-217C01CDF565}" type="slidenum">
               <a:rPr lang="en-US" dirty="0"/>
               <a:pPr/>
-              <a:t>‹Nº›</a:t>
+              <a:t>‹#›</a:t>
             </a:fld>
             <a:endParaRPr lang="en-US" dirty="0"/>
           </a:p>
@@ -5350,8 +5699,8 @@
           <a:bodyPr/>
           <a:lstStyle/>
           <a:p>
-            <a:fld id="{9FE86839-B9D8-4651-8783-F325ECE74E65}" type="datetimeFigureOut">
-              <a:rPr lang="en-US" dirty="0"/>
+            <a:fld id="{E579B621-C95D-4737-A871-2EE720A56866}" type="datetime1">
+              <a:rPr lang="en-US" smtClean="0"/>
               <a:t>5/16/2019</a:t>
             </a:fld>
             <a:endParaRPr lang="en-US" dirty="0"/>
@@ -5399,7 +5748,7 @@
             <a:fld id="{D57F1E4F-1CFF-5643-939E-217C01CDF565}" type="slidenum">
               <a:rPr lang="en-US" dirty="0"/>
               <a:pPr/>
-              <a:t>‹Nº›</a:t>
+              <a:t>‹#›</a:t>
             </a:fld>
             <a:endParaRPr lang="en-US" dirty="0"/>
           </a:p>
@@ -6211,8 +6560,8 @@
           <a:bodyPr/>
           <a:lstStyle/>
           <a:p>
-            <a:fld id="{FD484F64-32F6-45C5-931F-ADC1662401D0}" type="datetimeFigureOut">
-              <a:rPr lang="en-US" dirty="0"/>
+            <a:fld id="{C24F3D18-7FB4-47FD-A62C-0BDF09B262CB}" type="datetime1">
+              <a:rPr lang="en-US" smtClean="0"/>
               <a:t>5/16/2019</a:t>
             </a:fld>
             <a:endParaRPr lang="en-US" dirty="0"/>
@@ -6265,7 +6614,7 @@
             <a:fld id="{D57F1E4F-1CFF-5643-939E-217C01CDF565}" type="slidenum">
               <a:rPr lang="en-US" dirty="0"/>
               <a:pPr/>
-              <a:t>‹Nº›</a:t>
+              <a:t>‹#›</a:t>
             </a:fld>
             <a:endParaRPr lang="en-US" dirty="0"/>
           </a:p>
@@ -6401,8 +6750,8 @@
           <a:bodyPr/>
           <a:lstStyle/>
           <a:p>
-            <a:fld id="{53086D93-FCAC-47E0-A2EE-787E62CA814C}" type="datetimeFigureOut">
-              <a:rPr lang="en-US" dirty="0"/>
+            <a:fld id="{84D05C7A-816D-454E-A3F5-C44D40A0BA58}" type="datetime1">
+              <a:rPr lang="en-US" smtClean="0"/>
               <a:t>5/16/2019</a:t>
             </a:fld>
             <a:endParaRPr lang="en-US" dirty="0"/>
@@ -6450,7 +6799,7 @@
             <a:fld id="{D57F1E4F-1CFF-5643-939E-217C01CDF565}" type="slidenum">
               <a:rPr lang="en-US" dirty="0"/>
               <a:pPr/>
-              <a:t>‹Nº›</a:t>
+              <a:t>‹#›</a:t>
             </a:fld>
             <a:endParaRPr lang="en-US" dirty="0"/>
           </a:p>
@@ -7373,8 +7722,8 @@
           <a:bodyPr/>
           <a:lstStyle/>
           <a:p>
-            <a:fld id="{CDA879A6-0FD0-4734-A311-86BFCA472E6E}" type="datetimeFigureOut">
-              <a:rPr lang="en-US" dirty="0"/>
+            <a:fld id="{F0B6759B-E42F-4966-A361-75E73FBBDC82}" type="datetime1">
+              <a:rPr lang="en-US" smtClean="0"/>
               <a:t>5/16/2019</a:t>
             </a:fld>
             <a:endParaRPr lang="en-US" dirty="0"/>
@@ -7458,7 +7807,7 @@
             <a:fld id="{D57F1E4F-1CFF-5643-939E-217C01CDF565}" type="slidenum">
               <a:rPr lang="en-US" dirty="0"/>
               <a:pPr/>
-              <a:t>‹Nº›</a:t>
+              <a:t>‹#›</a:t>
             </a:fld>
             <a:endParaRPr lang="en-US" dirty="0"/>
           </a:p>
@@ -7584,8 +7933,8 @@
           <a:bodyPr/>
           <a:lstStyle/>
           <a:p>
-            <a:fld id="{19C9CA7B-DFD4-44B5-8C60-D14B8CD1FB59}" type="datetimeFigureOut">
-              <a:rPr lang="en-US" dirty="0"/>
+            <a:fld id="{06029CB6-D96A-40B1-A79A-86D2BB7610EF}" type="datetime1">
+              <a:rPr lang="en-US" smtClean="0"/>
               <a:t>5/16/2019</a:t>
             </a:fld>
             <a:endParaRPr lang="en-US" dirty="0"/>
@@ -7633,7 +7982,7 @@
             <a:fld id="{D57F1E4F-1CFF-5643-939E-217C01CDF565}" type="slidenum">
               <a:rPr lang="en-US" dirty="0"/>
               <a:pPr/>
-              <a:t>‹Nº›</a:t>
+              <a:t>‹#›</a:t>
             </a:fld>
             <a:endParaRPr lang="en-US" dirty="0"/>
           </a:p>
@@ -8618,8 +8967,8 @@
           <a:bodyPr/>
           <a:lstStyle/>
           <a:p>
-            <a:fld id="{F34E6425-0181-43F2-84FC-787E803FD2F8}" type="datetimeFigureOut">
-              <a:rPr lang="en-US" dirty="0"/>
+            <a:fld id="{F6934322-10D2-4DBE-8EAB-6AC8BFF50F4B}" type="datetime1">
+              <a:rPr lang="en-US" smtClean="0"/>
               <a:t>5/16/2019</a:t>
             </a:fld>
             <a:endParaRPr lang="en-US" dirty="0"/>
@@ -8703,7 +9052,7 @@
             <a:fld id="{D57F1E4F-1CFF-5643-939E-217C01CDF565}" type="slidenum">
               <a:rPr lang="en-US" dirty="0"/>
               <a:pPr/>
-              <a:t>‹Nº›</a:t>
+              <a:t>‹#›</a:t>
             </a:fld>
             <a:endParaRPr lang="en-US" dirty="0"/>
           </a:p>
@@ -8890,8 +9239,8 @@
           <a:bodyPr/>
           <a:lstStyle/>
           <a:p>
-            <a:fld id="{3BDB8791-F1B0-41E7-B7FD-A781E65C4266}" type="datetimeFigureOut">
-              <a:rPr lang="en-US" dirty="0"/>
+            <a:fld id="{F1160277-FABB-4524-A2DD-1D6B701305EF}" type="datetime1">
+              <a:rPr lang="en-US" smtClean="0"/>
               <a:t>5/16/2019</a:t>
             </a:fld>
             <a:endParaRPr lang="en-US" dirty="0"/>
@@ -8939,7 +9288,7 @@
             <a:fld id="{D57F1E4F-1CFF-5643-939E-217C01CDF565}" type="slidenum">
               <a:rPr lang="en-US" dirty="0"/>
               <a:pPr/>
-              <a:t>‹Nº›</a:t>
+              <a:t>‹#›</a:t>
             </a:fld>
             <a:endParaRPr lang="en-US" dirty="0"/>
           </a:p>
@@ -9300,8 +9649,8 @@
           <a:bodyPr/>
           <a:lstStyle/>
           <a:p>
-            <a:fld id="{5FDD63B2-E120-4ED8-B27B-C685F510A5FE}" type="datetimeFigureOut">
-              <a:rPr lang="en-US" dirty="0"/>
+            <a:fld id="{960DCCCF-668D-43BB-A81F-45D0418D026F}" type="datetime1">
+              <a:rPr lang="en-US" smtClean="0"/>
               <a:t>5/16/2019</a:t>
             </a:fld>
             <a:endParaRPr lang="en-US" dirty="0"/>
@@ -9349,7 +9698,7 @@
             <a:fld id="{D57F1E4F-1CFF-5643-939E-217C01CDF565}" type="slidenum">
               <a:rPr lang="en-US" dirty="0"/>
               <a:pPr/>
-              <a:t>‹Nº›</a:t>
+              <a:t>‹#›</a:t>
             </a:fld>
             <a:endParaRPr lang="en-US" dirty="0"/>
           </a:p>
@@ -9427,8 +9776,8 @@
           <a:bodyPr/>
           <a:lstStyle/>
           <a:p>
-            <a:fld id="{7AA18ACC-A947-437B-A130-35BD54FDF1E9}" type="datetimeFigureOut">
-              <a:rPr lang="en-US" dirty="0"/>
+            <a:fld id="{8A206B8C-BABF-4DA8-B1B1-A32DA226D90D}" type="datetime1">
+              <a:rPr lang="en-US" smtClean="0"/>
               <a:t>5/16/2019</a:t>
             </a:fld>
             <a:endParaRPr lang="en-US" dirty="0"/>
@@ -9476,7 +9825,7 @@
             <a:fld id="{D57F1E4F-1CFF-5643-939E-217C01CDF565}" type="slidenum">
               <a:rPr lang="en-US" dirty="0"/>
               <a:pPr/>
-              <a:t>‹Nº›</a:t>
+              <a:t>‹#›</a:t>
             </a:fld>
             <a:endParaRPr lang="en-US" dirty="0"/>
           </a:p>
@@ -9522,8 +9871,8 @@
           <a:bodyPr/>
           <a:lstStyle/>
           <a:p>
-            <a:fld id="{7C8D7E02-BCB8-4D50-A234-369438C08659}" type="datetimeFigureOut">
-              <a:rPr lang="en-US" dirty="0"/>
+            <a:fld id="{B320BB08-8EAF-47B4-87BC-D2BE74C2E4DE}" type="datetime1">
+              <a:rPr lang="en-US" smtClean="0"/>
               <a:t>5/16/2019</a:t>
             </a:fld>
             <a:endParaRPr lang="en-US" dirty="0"/>
@@ -9607,7 +9956,7 @@
             <a:fld id="{D57F1E4F-1CFF-5643-939E-217C01CDF565}" type="slidenum">
               <a:rPr lang="en-US" dirty="0"/>
               <a:pPr/>
-              <a:t>‹Nº›</a:t>
+              <a:t>‹#›</a:t>
             </a:fld>
             <a:endParaRPr lang="en-US" dirty="0"/>
           </a:p>
@@ -10603,8 +10952,8 @@
           <a:bodyPr/>
           <a:lstStyle/>
           <a:p>
-            <a:fld id="{76E86A4C-8E40-4F87-A4F0-01A0687C5742}" type="datetimeFigureOut">
-              <a:rPr lang="en-US" dirty="0"/>
+            <a:fld id="{E2DAB452-CEB1-45ED-979B-E403760B04D7}" type="datetime1">
+              <a:rPr lang="en-US" smtClean="0"/>
               <a:t>5/16/2019</a:t>
             </a:fld>
             <a:endParaRPr lang="en-US" dirty="0"/>
@@ -10688,7 +11037,7 @@
             <a:fld id="{D57F1E4F-1CFF-5643-939E-217C01CDF565}" type="slidenum">
               <a:rPr lang="en-US" dirty="0"/>
               <a:pPr/>
-              <a:t>‹Nº›</a:t>
+              <a:t>‹#›</a:t>
             </a:fld>
             <a:endParaRPr lang="en-US" dirty="0"/>
           </a:p>
@@ -11711,8 +12060,8 @@
           <a:bodyPr/>
           <a:lstStyle/>
           <a:p>
-            <a:fld id="{35E72C73-2D91-4E12-BA25-F0AA0C03599B}" type="datetimeFigureOut">
-              <a:rPr lang="en-US" dirty="0"/>
+            <a:fld id="{B466DF42-38B2-47BE-A437-2804865BD4E5}" type="datetime1">
+              <a:rPr lang="en-US" smtClean="0"/>
               <a:t>5/16/2019</a:t>
             </a:fld>
             <a:endParaRPr lang="en-US" dirty="0"/>
@@ -11796,7 +12145,7 @@
             <a:fld id="{D57F1E4F-1CFF-5643-939E-217C01CDF565}" type="slidenum">
               <a:rPr lang="en-US" dirty="0"/>
               <a:pPr/>
-              <a:t>‹Nº›</a:t>
+              <a:t>‹#›</a:t>
             </a:fld>
             <a:endParaRPr lang="en-US" dirty="0"/>
           </a:p>
@@ -12708,8 +13057,8 @@
             </a:lvl1pPr>
           </a:lstStyle>
           <a:p>
-            <a:fld id="{2BE451C3-0FF4-47C4-B829-773ADF60F88C}" type="datetimeFigureOut">
-              <a:rPr lang="en-US" dirty="0"/>
+            <a:fld id="{E2D66BD8-3D9A-4978-8527-91F6C6C237FE}" type="datetime1">
+              <a:rPr lang="en-US" smtClean="0"/>
               <a:t>5/16/2019</a:t>
             </a:fld>
             <a:endParaRPr lang="en-US" dirty="0"/>
@@ -12825,7 +13174,7 @@
             <a:fld id="{D57F1E4F-1CFF-5643-939E-217C01CDF565}" type="slidenum">
               <a:rPr lang="en-US" dirty="0"/>
               <a:pPr/>
-              <a:t>‹Nº›</a:t>
+              <a:t>‹#›</a:t>
             </a:fld>
             <a:endParaRPr lang="en-US" dirty="0"/>
           </a:p>
@@ -12853,7 +13202,7 @@
     <p:sldLayoutId id="2147483658" r:id="rId16"/>
     <p:sldLayoutId id="2147483659" r:id="rId17"/>
   </p:sldLayoutIdLst>
-  <p:hf sldNum="0" hdr="0" ftr="0" dt="0"/>
+  <p:hf hdr="0" ftr="0" dt="0"/>
   <p:txStyles>
     <p:titleStyle>
       <a:lvl1pPr algn="l" defTabSz="457200" rtl="0" eaLnBrk="1" latinLnBrk="0" hangingPunct="1">
@@ -13326,42 +13675,12 @@
           </a:p>
         </p:txBody>
       </p:sp>
-    </p:spTree>
-    <p:extLst>
-      <p:ext uri="{BB962C8B-B14F-4D97-AF65-F5344CB8AC3E}">
-        <p14:creationId xmlns:p14="http://schemas.microsoft.com/office/powerpoint/2010/main" val="1700591091"/>
-      </p:ext>
-    </p:extLst>
-  </p:cSld>
-  <p:clrMapOvr>
-    <a:masterClrMapping/>
-  </p:clrMapOvr>
-</p:sld>
-</file>
-
-<file path=ppt/slides/slide10.xml><?xml version="1.0" encoding="utf-8"?>
-<p:sld xmlns:a="http://schemas.openxmlformats.org/drawingml/2006/main" xmlns:r="http://schemas.openxmlformats.org/officeDocument/2006/relationships" xmlns:p="http://schemas.openxmlformats.org/presentationml/2006/main">
-  <p:cSld>
-    <p:spTree>
-      <p:nvGrpSpPr>
-        <p:cNvPr id="1" name=""/>
-        <p:cNvGrpSpPr/>
-        <p:nvPr/>
-      </p:nvGrpSpPr>
-      <p:grpSpPr>
-        <a:xfrm>
-          <a:off x="0" y="0"/>
-          <a:ext cx="0" cy="0"/>
-          <a:chOff x="0" y="0"/>
-          <a:chExt cx="0" cy="0"/>
-        </a:xfrm>
-      </p:grpSpPr>
       <p:sp>
         <p:nvSpPr>
-          <p:cNvPr id="2" name="Título 1">
+          <p:cNvPr id="4" name="Slide Number Placeholder 3">
             <a:extLst>
               <a:ext uri="{FF2B5EF4-FFF2-40B4-BE49-F238E27FC236}">
-                <a16:creationId xmlns:a16="http://schemas.microsoft.com/office/drawing/2014/main" id="{D9647D6C-7B3B-40A3-9902-80C07346F6BB}"/>
+                <a16:creationId xmlns:a16="http://schemas.microsoft.com/office/drawing/2014/main" id="{D2BA9259-AD66-4220-963E-FBD0E8CE3101}"/>
               </a:ext>
             </a:extLst>
           </p:cNvPr>
@@ -13369,7 +13688,7 @@
             <a:spLocks noGrp="1"/>
           </p:cNvSpPr>
           <p:nvPr>
-            <p:ph type="title"/>
+            <p:ph type="sldNum" sz="quarter" idx="12"/>
           </p:nvPr>
         </p:nvSpPr>
         <p:spPr/>
@@ -13377,39 +13696,19 @@
           <a:bodyPr/>
           <a:lstStyle/>
           <a:p>
-            <a:endParaRPr lang="es-AR"/>
-          </a:p>
-        </p:txBody>
-      </p:sp>
-      <p:sp>
-        <p:nvSpPr>
-          <p:cNvPr id="3" name="Marcador de contenido 2">
-            <a:extLst>
-              <a:ext uri="{FF2B5EF4-FFF2-40B4-BE49-F238E27FC236}">
-                <a16:creationId xmlns:a16="http://schemas.microsoft.com/office/drawing/2014/main" id="{DF54974D-9B3C-45EA-B974-6E031E368554}"/>
-              </a:ext>
-            </a:extLst>
-          </p:cNvPr>
-          <p:cNvSpPr>
-            <a:spLocks noGrp="1"/>
-          </p:cNvSpPr>
-          <p:nvPr>
-            <p:ph idx="1"/>
-          </p:nvPr>
-        </p:nvSpPr>
-        <p:spPr/>
-        <p:txBody>
-          <a:bodyPr/>
-          <a:lstStyle/>
-          <a:p>
-            <a:endParaRPr lang="es-AR"/>
+            <a:fld id="{D57F1E4F-1CFF-5643-939E-217C01CDF565}" type="slidenum">
+              <a:rPr lang="en-US" smtClean="0"/>
+              <a:pPr/>
+              <a:t>1</a:t>
+            </a:fld>
+            <a:endParaRPr lang="en-US" dirty="0"/>
           </a:p>
         </p:txBody>
       </p:sp>
     </p:spTree>
     <p:extLst>
       <p:ext uri="{BB962C8B-B14F-4D97-AF65-F5344CB8AC3E}">
-        <p14:creationId xmlns:p14="http://schemas.microsoft.com/office/powerpoint/2010/main" val="2939453583"/>
+        <p14:creationId xmlns:p14="http://schemas.microsoft.com/office/powerpoint/2010/main" val="1700591091"/>
       </p:ext>
     </p:extLst>
   </p:cSld>
@@ -13519,6 +13818,36 @@
           </a:p>
           <a:p>
             <a:endParaRPr lang="es-AR" dirty="0"/>
+          </a:p>
+        </p:txBody>
+      </p:sp>
+      <p:sp>
+        <p:nvSpPr>
+          <p:cNvPr id="4" name="Slide Number Placeholder 3">
+            <a:extLst>
+              <a:ext uri="{FF2B5EF4-FFF2-40B4-BE49-F238E27FC236}">
+                <a16:creationId xmlns:a16="http://schemas.microsoft.com/office/drawing/2014/main" id="{222A7B10-512B-45E5-828C-EC6BA7A3CC07}"/>
+              </a:ext>
+            </a:extLst>
+          </p:cNvPr>
+          <p:cNvSpPr>
+            <a:spLocks noGrp="1"/>
+          </p:cNvSpPr>
+          <p:nvPr>
+            <p:ph type="sldNum" sz="quarter" idx="12"/>
+          </p:nvPr>
+        </p:nvSpPr>
+        <p:spPr/>
+        <p:txBody>
+          <a:bodyPr/>
+          <a:lstStyle/>
+          <a:p>
+            <a:fld id="{D57F1E4F-1CFF-5643-939E-217C01CDF565}" type="slidenum">
+              <a:rPr lang="en-US" smtClean="0"/>
+              <a:pPr/>
+              <a:t>2</a:t>
+            </a:fld>
+            <a:endParaRPr lang="en-US" dirty="0"/>
           </a:p>
         </p:txBody>
       </p:sp>
@@ -13609,14 +13938,44 @@
           <a:p>
             <a:r>
               <a:rPr lang="es-AR" dirty="0"/>
-              <a:t>Una escena esta compuesta por 24 esferas sobre un plano iluminado por 3 luces diferentes.</a:t>
+              <a:t>La escena “A” esta compuesta por 24 esferas sobre un plano iluminado por 3 luces diferentes.</a:t>
             </a:r>
           </a:p>
           <a:p>
             <a:r>
               <a:rPr lang="es-AR" dirty="0"/>
-              <a:t>La otra escena será a elección nuestra, debemos tener en cuenta la composición a fin de poder demostrar al máximo los conceptos que serán evaluados.</a:t>
-            </a:r>
+              <a:t>La escena “B será a elección nuestra, debemos tener en cuenta la composición a fin de poder demostrar al máximo los conceptos que serán evaluados.</a:t>
+            </a:r>
+          </a:p>
+        </p:txBody>
+      </p:sp>
+      <p:sp>
+        <p:nvSpPr>
+          <p:cNvPr id="4" name="Slide Number Placeholder 3">
+            <a:extLst>
+              <a:ext uri="{FF2B5EF4-FFF2-40B4-BE49-F238E27FC236}">
+                <a16:creationId xmlns:a16="http://schemas.microsoft.com/office/drawing/2014/main" id="{DEF7BA19-CCD3-4AD9-981A-562607001DB2}"/>
+              </a:ext>
+            </a:extLst>
+          </p:cNvPr>
+          <p:cNvSpPr>
+            <a:spLocks noGrp="1"/>
+          </p:cNvSpPr>
+          <p:nvPr>
+            <p:ph type="sldNum" sz="quarter" idx="12"/>
+          </p:nvPr>
+        </p:nvSpPr>
+        <p:spPr/>
+        <p:txBody>
+          <a:bodyPr/>
+          <a:lstStyle/>
+          <a:p>
+            <a:fld id="{D57F1E4F-1CFF-5643-939E-217C01CDF565}" type="slidenum">
+              <a:rPr lang="en-US" smtClean="0"/>
+              <a:pPr/>
+              <a:t>3</a:t>
+            </a:fld>
+            <a:endParaRPr lang="en-US" dirty="0"/>
           </a:p>
         </p:txBody>
       </p:sp>
@@ -13652,10 +14011,10 @@
       </p:grpSpPr>
       <p:sp>
         <p:nvSpPr>
-          <p:cNvPr id="2" name="Título 1">
+          <p:cNvPr id="2" name="Title 1">
             <a:extLst>
               <a:ext uri="{FF2B5EF4-FFF2-40B4-BE49-F238E27FC236}">
-                <a16:creationId xmlns:a16="http://schemas.microsoft.com/office/drawing/2014/main" id="{463C4AAC-3B76-4818-9345-410D1B08CADA}"/>
+                <a16:creationId xmlns:a16="http://schemas.microsoft.com/office/drawing/2014/main" id="{3AADA6D5-1E52-414A-800D-5A6B27883BE3}"/>
               </a:ext>
             </a:extLst>
           </p:cNvPr>
@@ -13672,18 +14031,18 @@
           <a:lstStyle/>
           <a:p>
             <a:r>
-              <a:rPr lang="es-AR" dirty="0"/>
-              <a:t>Elección de la escena</a:t>
+              <a:rPr lang="es-ES" dirty="0"/>
+              <a:t>Escena “A”</a:t>
             </a:r>
           </a:p>
         </p:txBody>
       </p:sp>
       <p:sp>
         <p:nvSpPr>
-          <p:cNvPr id="3" name="Marcador de contenido 2">
+          <p:cNvPr id="3" name="Content Placeholder 2">
             <a:extLst>
               <a:ext uri="{FF2B5EF4-FFF2-40B4-BE49-F238E27FC236}">
-                <a16:creationId xmlns:a16="http://schemas.microsoft.com/office/drawing/2014/main" id="{460B6DFB-0551-4F07-B435-696BDA8A3E1D}"/>
+                <a16:creationId xmlns:a16="http://schemas.microsoft.com/office/drawing/2014/main" id="{9593F41B-3C55-4883-AE35-6B1D97F84138}"/>
               </a:ext>
             </a:extLst>
           </p:cNvPr>
@@ -13696,20 +14055,127 @@
         </p:nvSpPr>
         <p:spPr/>
         <p:txBody>
+          <a:bodyPr>
+            <a:normAutofit lnSpcReduction="10000"/>
+          </a:bodyPr>
+          <a:lstStyle/>
+          <a:p>
+            <a:r>
+              <a:rPr lang="es-ES" dirty="0"/>
+              <a:t>4 filas de 6 esferas cada una. Un material diferente para cada fila.</a:t>
+            </a:r>
+          </a:p>
+          <a:p>
+            <a:r>
+              <a:rPr lang="es-ES" dirty="0"/>
+              <a:t>Los materiales usados son:</a:t>
+            </a:r>
+          </a:p>
+          <a:p>
+            <a:pPr marL="800100" lvl="1" indent="-342900">
+              <a:buFont typeface="+mj-lt"/>
+              <a:buAutoNum type="arabicPeriod"/>
+            </a:pPr>
+            <a:r>
+              <a:rPr lang="es-ES" dirty="0"/>
+              <a:t>Plata pulida</a:t>
+            </a:r>
+          </a:p>
+          <a:p>
+            <a:pPr marL="800100" lvl="1" indent="-342900">
+              <a:buFont typeface="+mj-lt"/>
+              <a:buAutoNum type="arabicPeriod"/>
+            </a:pPr>
+            <a:r>
+              <a:rPr lang="es-ES" dirty="0"/>
+              <a:t>Caucho verde</a:t>
+            </a:r>
+          </a:p>
+          <a:p>
+            <a:pPr marL="800100" lvl="1" indent="-342900">
+              <a:buFont typeface="+mj-lt"/>
+              <a:buAutoNum type="arabicPeriod"/>
+            </a:pPr>
+            <a:r>
+              <a:rPr lang="es-ES" dirty="0"/>
+              <a:t>Plástico rojo</a:t>
+            </a:r>
+          </a:p>
+          <a:p>
+            <a:pPr marL="800100" lvl="1" indent="-342900">
+              <a:buFont typeface="+mj-lt"/>
+              <a:buAutoNum type="arabicPeriod"/>
+            </a:pPr>
+            <a:r>
+              <a:rPr lang="es-ES" dirty="0"/>
+              <a:t>Cobre pulido</a:t>
+            </a:r>
+          </a:p>
+          <a:p>
+            <a:pPr indent="-285750"/>
+            <a:r>
+              <a:rPr lang="es-ES" dirty="0"/>
+              <a:t>Un plano blanco sobre el cual están ubicadas las esferas.</a:t>
+            </a:r>
+          </a:p>
+          <a:p>
+            <a:pPr indent="-285750"/>
+            <a:r>
+              <a:rPr lang="es-ES" dirty="0"/>
+              <a:t>Se pude elegir 4 </a:t>
+            </a:r>
+            <a:r>
+              <a:rPr lang="es-ES" dirty="0" err="1"/>
+              <a:t>shaders</a:t>
+            </a:r>
+            <a:r>
+              <a:rPr lang="es-ES" dirty="0"/>
+              <a:t> distintos para dibujar la escena.</a:t>
+            </a:r>
+          </a:p>
+          <a:p>
+            <a:pPr indent="-285750"/>
+            <a:r>
+              <a:rPr lang="es-ES" dirty="0"/>
+              <a:t>Se pueden modificar las constantes de material de las esferas</a:t>
+            </a:r>
+          </a:p>
+        </p:txBody>
+      </p:sp>
+      <p:sp>
+        <p:nvSpPr>
+          <p:cNvPr id="4" name="Slide Number Placeholder 3">
+            <a:extLst>
+              <a:ext uri="{FF2B5EF4-FFF2-40B4-BE49-F238E27FC236}">
+                <a16:creationId xmlns:a16="http://schemas.microsoft.com/office/drawing/2014/main" id="{6A56CF87-514C-45C6-8001-FAC92B0C029F}"/>
+              </a:ext>
+            </a:extLst>
+          </p:cNvPr>
+          <p:cNvSpPr>
+            <a:spLocks noGrp="1"/>
+          </p:cNvSpPr>
+          <p:nvPr>
+            <p:ph type="sldNum" sz="quarter" idx="12"/>
+          </p:nvPr>
+        </p:nvSpPr>
+        <p:spPr/>
+        <p:txBody>
           <a:bodyPr/>
           <a:lstStyle/>
           <a:p>
-            <a:r>
-              <a:rPr lang="es-AR" dirty="0"/>
-              <a:t>La escena esta compuesta principalmente por una nave espacial y un alien, el cual esta iluminado por tres luces que están ubicadas en la nave.</a:t>
-            </a:r>
+            <a:fld id="{D57F1E4F-1CFF-5643-939E-217C01CDF565}" type="slidenum">
+              <a:rPr lang="en-US" smtClean="0"/>
+              <a:pPr/>
+              <a:t>4</a:t>
+            </a:fld>
+            <a:endParaRPr lang="en-US" dirty="0"/>
           </a:p>
         </p:txBody>
       </p:sp>
     </p:spTree>
     <p:extLst>
       <p:ext uri="{BB962C8B-B14F-4D97-AF65-F5344CB8AC3E}">
-        <p14:creationId xmlns:p14="http://schemas.microsoft.com/office/powerpoint/2010/main" val="3130771239"/>
+        <p14:creationId xmlns:p14="http://schemas.microsoft.com/office/powerpoint/2010/main" val="2895702753"/>
       </p:ext>
     </p:extLst>
   </p:cSld>
@@ -13738,10 +14204,10 @@
       </p:grpSpPr>
       <p:sp>
         <p:nvSpPr>
-          <p:cNvPr id="2" name="Título 1">
+          <p:cNvPr id="2" name="Title 1">
             <a:extLst>
               <a:ext uri="{FF2B5EF4-FFF2-40B4-BE49-F238E27FC236}">
-                <a16:creationId xmlns:a16="http://schemas.microsoft.com/office/drawing/2014/main" id="{63A7C796-5909-4DFF-8DBC-EF284A66D0A9}"/>
+                <a16:creationId xmlns:a16="http://schemas.microsoft.com/office/drawing/2014/main" id="{5925CBAA-C383-4C5D-B040-CCA5060A72EA}"/>
               </a:ext>
             </a:extLst>
           </p:cNvPr>
@@ -13758,18 +14224,18 @@
           <a:lstStyle/>
           <a:p>
             <a:r>
-              <a:rPr lang="es-AR" dirty="0"/>
-              <a:t>Modelos de iluminación</a:t>
+              <a:rPr lang="es-ES" dirty="0"/>
+              <a:t>Escena “A”</a:t>
             </a:r>
           </a:p>
         </p:txBody>
       </p:sp>
       <p:sp>
         <p:nvSpPr>
-          <p:cNvPr id="3" name="Marcador de contenido 2">
+          <p:cNvPr id="3" name="Content Placeholder 2">
             <a:extLst>
               <a:ext uri="{FF2B5EF4-FFF2-40B4-BE49-F238E27FC236}">
-                <a16:creationId xmlns:a16="http://schemas.microsoft.com/office/drawing/2014/main" id="{26C05A0E-EA95-4231-A4D9-CCA5A51ADB27}"/>
+                <a16:creationId xmlns:a16="http://schemas.microsoft.com/office/drawing/2014/main" id="{577740BD-69A2-4E0E-A11A-CF48E18D100A}"/>
               </a:ext>
             </a:extLst>
           </p:cNvPr>
@@ -13786,22 +14252,115 @@
           <a:lstStyle/>
           <a:p>
             <a:r>
-              <a:rPr lang="es-AR" dirty="0"/>
-              <a:t>En la primer escena contamos con los modelos de iluminación de Cook-Torrance, de Ward y de Oren-Nayar.</a:t>
-            </a:r>
-          </a:p>
-          <a:p>
-            <a:r>
-              <a:rPr lang="es-AR" dirty="0"/>
-              <a:t>En la segunda escena decidimos utilizar solamente la de Cook-Torrance ya que es la que mejor se veía.</a:t>
-            </a:r>
+              <a:rPr lang="es-ES" dirty="0"/>
+              <a:t>Una luz puntual, una luz spot y una luz direccional</a:t>
+            </a:r>
+          </a:p>
+          <a:p>
+            <a:r>
+              <a:rPr lang="es-ES" dirty="0"/>
+              <a:t>A cada luz se le puede variar el color, o elegir algunas opciones de iluminación que se asemejan a iluminantes reales:</a:t>
+            </a:r>
+          </a:p>
+          <a:p>
+            <a:pPr lvl="1">
+              <a:buFont typeface="+mj-lt"/>
+              <a:buAutoNum type="arabicPeriod"/>
+            </a:pPr>
+            <a:r>
+              <a:rPr lang="es-ES" dirty="0"/>
+              <a:t>Luz solar directa</a:t>
+            </a:r>
+          </a:p>
+          <a:p>
+            <a:pPr lvl="1">
+              <a:buFont typeface="+mj-lt"/>
+              <a:buAutoNum type="arabicPeriod"/>
+            </a:pPr>
+            <a:r>
+              <a:rPr lang="es-ES" dirty="0"/>
+              <a:t>Luz de día nublado</a:t>
+            </a:r>
+          </a:p>
+          <a:p>
+            <a:pPr lvl="1">
+              <a:buFont typeface="+mj-lt"/>
+              <a:buAutoNum type="arabicPeriod"/>
+            </a:pPr>
+            <a:r>
+              <a:rPr lang="es-ES" dirty="0"/>
+              <a:t>Luz de vela</a:t>
+            </a:r>
+          </a:p>
+          <a:p>
+            <a:pPr lvl="1">
+              <a:buFont typeface="+mj-lt"/>
+              <a:buAutoNum type="arabicPeriod"/>
+            </a:pPr>
+            <a:r>
+              <a:rPr lang="es-ES" dirty="0"/>
+              <a:t>Luz de tungsteno de 100W</a:t>
+            </a:r>
+          </a:p>
+          <a:p>
+            <a:pPr lvl="1">
+              <a:buFont typeface="+mj-lt"/>
+              <a:buAutoNum type="arabicPeriod"/>
+            </a:pPr>
+            <a:r>
+              <a:rPr lang="es-ES" dirty="0"/>
+              <a:t>Luz halógena</a:t>
+            </a:r>
+          </a:p>
+          <a:p>
+            <a:pPr lvl="1">
+              <a:buFont typeface="+mj-lt"/>
+              <a:buAutoNum type="arabicPeriod"/>
+            </a:pPr>
+            <a:r>
+              <a:rPr lang="es-ES" dirty="0"/>
+              <a:t>Luz negra</a:t>
+            </a:r>
+          </a:p>
+          <a:p>
+            <a:endParaRPr lang="es-ES" dirty="0"/>
+          </a:p>
+        </p:txBody>
+      </p:sp>
+      <p:sp>
+        <p:nvSpPr>
+          <p:cNvPr id="5" name="Slide Number Placeholder 4">
+            <a:extLst>
+              <a:ext uri="{FF2B5EF4-FFF2-40B4-BE49-F238E27FC236}">
+                <a16:creationId xmlns:a16="http://schemas.microsoft.com/office/drawing/2014/main" id="{34954AAF-90A2-4DE3-BE4B-35CD1DC9A30E}"/>
+              </a:ext>
+            </a:extLst>
+          </p:cNvPr>
+          <p:cNvSpPr>
+            <a:spLocks noGrp="1"/>
+          </p:cNvSpPr>
+          <p:nvPr>
+            <p:ph type="sldNum" sz="quarter" idx="12"/>
+          </p:nvPr>
+        </p:nvSpPr>
+        <p:spPr/>
+        <p:txBody>
+          <a:bodyPr/>
+          <a:lstStyle/>
+          <a:p>
+            <a:fld id="{D57F1E4F-1CFF-5643-939E-217C01CDF565}" type="slidenum">
+              <a:rPr lang="en-US" smtClean="0"/>
+              <a:pPr/>
+              <a:t>5</a:t>
+            </a:fld>
+            <a:endParaRPr lang="en-US" dirty="0"/>
           </a:p>
         </p:txBody>
       </p:sp>
     </p:spTree>
     <p:extLst>
       <p:ext uri="{BB962C8B-B14F-4D97-AF65-F5344CB8AC3E}">
-        <p14:creationId xmlns:p14="http://schemas.microsoft.com/office/powerpoint/2010/main" val="2301015594"/>
+        <p14:creationId xmlns:p14="http://schemas.microsoft.com/office/powerpoint/2010/main" val="2385365339"/>
       </p:ext>
     </p:extLst>
   </p:cSld>
@@ -13830,10 +14389,10 @@
       </p:grpSpPr>
       <p:sp>
         <p:nvSpPr>
-          <p:cNvPr id="2" name="Título 1">
+          <p:cNvPr id="2" name="Title 1">
             <a:extLst>
               <a:ext uri="{FF2B5EF4-FFF2-40B4-BE49-F238E27FC236}">
-                <a16:creationId xmlns:a16="http://schemas.microsoft.com/office/drawing/2014/main" id="{EF75A10C-A46E-4674-87E7-20C485D5EC45}"/>
+                <a16:creationId xmlns:a16="http://schemas.microsoft.com/office/drawing/2014/main" id="{A4DBCADF-0041-4B74-9D64-31A5D79FA1DF}"/>
               </a:ext>
             </a:extLst>
           </p:cNvPr>
@@ -13850,18 +14409,18 @@
           <a:lstStyle/>
           <a:p>
             <a:r>
-              <a:rPr lang="es-AR" dirty="0"/>
-              <a:t>Interacción con la escena</a:t>
+              <a:rPr lang="es-ES" dirty="0"/>
+              <a:t>Escena “B”</a:t>
             </a:r>
           </a:p>
         </p:txBody>
       </p:sp>
       <p:sp>
         <p:nvSpPr>
-          <p:cNvPr id="3" name="Marcador de contenido 2">
+          <p:cNvPr id="3" name="Content Placeholder 2">
             <a:extLst>
               <a:ext uri="{FF2B5EF4-FFF2-40B4-BE49-F238E27FC236}">
-                <a16:creationId xmlns:a16="http://schemas.microsoft.com/office/drawing/2014/main" id="{08651438-085C-4F7A-B25F-2B18A032A3F9}"/>
+                <a16:creationId xmlns:a16="http://schemas.microsoft.com/office/drawing/2014/main" id="{1A4F2756-7009-49CA-AE55-8854C3A86BAB}"/>
               </a:ext>
             </a:extLst>
           </p:cNvPr>
@@ -13878,68 +14437,78 @@
           <a:lstStyle/>
           <a:p>
             <a:r>
-              <a:rPr lang="es-AR" dirty="0"/>
-              <a:t>Se puede seleccionar uno de los tres </a:t>
-            </a:r>
-            <a:r>
-              <a:rPr lang="es-AR" dirty="0" err="1"/>
-              <a:t>shaders</a:t>
-            </a:r>
-            <a:r>
-              <a:rPr lang="es-AR" dirty="0"/>
-              <a:t> a utilizar.</a:t>
-            </a:r>
-          </a:p>
-          <a:p>
-            <a:r>
-              <a:rPr lang="es-AR" dirty="0"/>
-              <a:t>Se puede mover la luz puntual y la spot.</a:t>
-            </a:r>
-          </a:p>
-          <a:p>
-            <a:r>
-              <a:rPr lang="es-AR" dirty="0"/>
-              <a:t>Se puede rotar la luz spot.</a:t>
-            </a:r>
-          </a:p>
-          <a:p>
-            <a:r>
-              <a:rPr lang="es-AR" dirty="0"/>
-              <a:t>Se puede cambiar la dirección de la luz direccional.</a:t>
-            </a:r>
-          </a:p>
-          <a:p>
-            <a:r>
-              <a:rPr lang="es-AR" dirty="0"/>
-              <a:t>Se pueden cambiar el color/intensidad de las luces eligiendo luces reales (luz de día, luz de vela, luz halógena, </a:t>
-            </a:r>
-            <a:r>
-              <a:rPr lang="es-AR" dirty="0" err="1"/>
-              <a:t>etc</a:t>
-            </a:r>
-            <a:r>
-              <a:rPr lang="es-AR" dirty="0"/>
-              <a:t>) así como modificar los valores manualmente.</a:t>
-            </a:r>
-          </a:p>
-          <a:p>
-            <a:r>
-              <a:rPr lang="es-AR" dirty="0"/>
-              <a:t>Se puede ubicar la cámara sobre una luz y que se mueva en conjunto con la luz.</a:t>
-            </a:r>
-          </a:p>
-          <a:p>
-            <a:pPr marL="0" indent="0">
-              <a:buNone/>
-            </a:pPr>
-            <a:endParaRPr lang="es-AR" dirty="0"/>
+              <a:rPr lang="es-ES" dirty="0"/>
+              <a:t>Un alien y una nave espacial, ubicados en una granja.</a:t>
+            </a:r>
+          </a:p>
+          <a:p>
+            <a:r>
+              <a:rPr lang="es-ES" dirty="0"/>
+              <a:t>La granja esta formada por un granero, un silo, un tractor y arboles.</a:t>
+            </a:r>
+          </a:p>
+          <a:p>
+            <a:r>
+              <a:rPr lang="es-ES" dirty="0"/>
+              <a:t>La nave espacial tiene tres luces spot de diferentes colores que apuntan hacia abajo, solapándose en el medio.</a:t>
+            </a:r>
+          </a:p>
+          <a:p>
+            <a:r>
+              <a:rPr lang="es-ES" dirty="0"/>
+              <a:t>Una luz direccional simulando la luz del día, para poder iluminar la escena fuera de los spots de la nave.</a:t>
+            </a:r>
+          </a:p>
+          <a:p>
+            <a:r>
+              <a:rPr lang="es-ES" dirty="0"/>
+              <a:t>La escena se dibuja con el </a:t>
+            </a:r>
+            <a:r>
+              <a:rPr lang="es-ES" dirty="0" err="1"/>
+              <a:t>shader</a:t>
+            </a:r>
+            <a:r>
+              <a:rPr lang="es-ES" dirty="0"/>
+              <a:t> que implementa el modelo de Cook-Torrance, ya que nos brindaba una buena apariencia en todos los objetos que queríamos mostrar.</a:t>
+            </a:r>
+          </a:p>
+        </p:txBody>
+      </p:sp>
+      <p:sp>
+        <p:nvSpPr>
+          <p:cNvPr id="4" name="Slide Number Placeholder 3">
+            <a:extLst>
+              <a:ext uri="{FF2B5EF4-FFF2-40B4-BE49-F238E27FC236}">
+                <a16:creationId xmlns:a16="http://schemas.microsoft.com/office/drawing/2014/main" id="{5B71586D-FAE2-435F-927C-1F3FE1D69148}"/>
+              </a:ext>
+            </a:extLst>
+          </p:cNvPr>
+          <p:cNvSpPr>
+            <a:spLocks noGrp="1"/>
+          </p:cNvSpPr>
+          <p:nvPr>
+            <p:ph type="sldNum" sz="quarter" idx="12"/>
+          </p:nvPr>
+        </p:nvSpPr>
+        <p:spPr/>
+        <p:txBody>
+          <a:bodyPr/>
+          <a:lstStyle/>
+          <a:p>
+            <a:fld id="{D57F1E4F-1CFF-5643-939E-217C01CDF565}" type="slidenum">
+              <a:rPr lang="en-US" smtClean="0"/>
+              <a:pPr/>
+              <a:t>6</a:t>
+            </a:fld>
+            <a:endParaRPr lang="en-US" dirty="0"/>
           </a:p>
         </p:txBody>
       </p:sp>
     </p:spTree>
     <p:extLst>
       <p:ext uri="{BB962C8B-B14F-4D97-AF65-F5344CB8AC3E}">
-        <p14:creationId xmlns:p14="http://schemas.microsoft.com/office/powerpoint/2010/main" val="767546603"/>
+        <p14:creationId xmlns:p14="http://schemas.microsoft.com/office/powerpoint/2010/main" val="2923514837"/>
       </p:ext>
     </p:extLst>
   </p:cSld>
@@ -14103,42 +14672,12 @@
           </a:p>
         </p:txBody>
       </p:sp>
-    </p:spTree>
-    <p:extLst>
-      <p:ext uri="{BB962C8B-B14F-4D97-AF65-F5344CB8AC3E}">
-        <p14:creationId xmlns:p14="http://schemas.microsoft.com/office/powerpoint/2010/main" val="2587506523"/>
-      </p:ext>
-    </p:extLst>
-  </p:cSld>
-  <p:clrMapOvr>
-    <a:masterClrMapping/>
-  </p:clrMapOvr>
-</p:sld>
-</file>
-
-<file path=ppt/slides/slide8.xml><?xml version="1.0" encoding="utf-8"?>
-<p:sld xmlns:a="http://schemas.openxmlformats.org/drawingml/2006/main" xmlns:r="http://schemas.openxmlformats.org/officeDocument/2006/relationships" xmlns:p="http://schemas.openxmlformats.org/presentationml/2006/main">
-  <p:cSld>
-    <p:spTree>
-      <p:nvGrpSpPr>
-        <p:cNvPr id="1" name=""/>
-        <p:cNvGrpSpPr/>
-        <p:nvPr/>
-      </p:nvGrpSpPr>
-      <p:grpSpPr>
-        <a:xfrm>
-          <a:off x="0" y="0"/>
-          <a:ext cx="0" cy="0"/>
-          <a:chOff x="0" y="0"/>
-          <a:chExt cx="0" cy="0"/>
-        </a:xfrm>
-      </p:grpSpPr>
       <p:sp>
         <p:nvSpPr>
-          <p:cNvPr id="2" name="Título 1">
+          <p:cNvPr id="4" name="Slide Number Placeholder 3">
             <a:extLst>
               <a:ext uri="{FF2B5EF4-FFF2-40B4-BE49-F238E27FC236}">
-                <a16:creationId xmlns:a16="http://schemas.microsoft.com/office/drawing/2014/main" id="{188A1C48-A29E-42E3-B1B5-DA9F47181641}"/>
+                <a16:creationId xmlns:a16="http://schemas.microsoft.com/office/drawing/2014/main" id="{BD91943B-68A3-40C9-A5AD-41FD0FA09C03}"/>
               </a:ext>
             </a:extLst>
           </p:cNvPr>
@@ -14146,7 +14685,7 @@
             <a:spLocks noGrp="1"/>
           </p:cNvSpPr>
           <p:nvPr>
-            <p:ph type="title"/>
+            <p:ph type="sldNum" sz="quarter" idx="12"/>
           </p:nvPr>
         </p:nvSpPr>
         <p:spPr/>
@@ -14154,119 +14693,19 @@
           <a:bodyPr/>
           <a:lstStyle/>
           <a:p>
-            <a:endParaRPr lang="es-AR"/>
-          </a:p>
-        </p:txBody>
-      </p:sp>
-      <p:sp>
-        <p:nvSpPr>
-          <p:cNvPr id="3" name="Marcador de contenido 2">
-            <a:extLst>
-              <a:ext uri="{FF2B5EF4-FFF2-40B4-BE49-F238E27FC236}">
-                <a16:creationId xmlns:a16="http://schemas.microsoft.com/office/drawing/2014/main" id="{54E32127-3D4B-465B-B229-D0614927E7EC}"/>
-              </a:ext>
-            </a:extLst>
-          </p:cNvPr>
-          <p:cNvSpPr>
-            <a:spLocks noGrp="1"/>
-          </p:cNvSpPr>
-          <p:nvPr>
-            <p:ph idx="1"/>
-          </p:nvPr>
-        </p:nvSpPr>
-        <p:spPr/>
-        <p:txBody>
-          <a:bodyPr/>
-          <a:lstStyle/>
-          <a:p>
-            <a:endParaRPr lang="es-AR"/>
+            <a:fld id="{D57F1E4F-1CFF-5643-939E-217C01CDF565}" type="slidenum">
+              <a:rPr lang="en-US" smtClean="0"/>
+              <a:pPr/>
+              <a:t>7</a:t>
+            </a:fld>
+            <a:endParaRPr lang="en-US" dirty="0"/>
           </a:p>
         </p:txBody>
       </p:sp>
     </p:spTree>
     <p:extLst>
       <p:ext uri="{BB962C8B-B14F-4D97-AF65-F5344CB8AC3E}">
-        <p14:creationId xmlns:p14="http://schemas.microsoft.com/office/powerpoint/2010/main" val="353685638"/>
-      </p:ext>
-    </p:extLst>
-  </p:cSld>
-  <p:clrMapOvr>
-    <a:masterClrMapping/>
-  </p:clrMapOvr>
-</p:sld>
-</file>
-
-<file path=ppt/slides/slide9.xml><?xml version="1.0" encoding="utf-8"?>
-<p:sld xmlns:a="http://schemas.openxmlformats.org/drawingml/2006/main" xmlns:r="http://schemas.openxmlformats.org/officeDocument/2006/relationships" xmlns:p="http://schemas.openxmlformats.org/presentationml/2006/main">
-  <p:cSld>
-    <p:spTree>
-      <p:nvGrpSpPr>
-        <p:cNvPr id="1" name=""/>
-        <p:cNvGrpSpPr/>
-        <p:nvPr/>
-      </p:nvGrpSpPr>
-      <p:grpSpPr>
-        <a:xfrm>
-          <a:off x="0" y="0"/>
-          <a:ext cx="0" cy="0"/>
-          <a:chOff x="0" y="0"/>
-          <a:chExt cx="0" cy="0"/>
-        </a:xfrm>
-      </p:grpSpPr>
-      <p:sp>
-        <p:nvSpPr>
-          <p:cNvPr id="2" name="Título 1">
-            <a:extLst>
-              <a:ext uri="{FF2B5EF4-FFF2-40B4-BE49-F238E27FC236}">
-                <a16:creationId xmlns:a16="http://schemas.microsoft.com/office/drawing/2014/main" id="{0B6668E5-D03F-461C-98D6-5293FFCC278E}"/>
-              </a:ext>
-            </a:extLst>
-          </p:cNvPr>
-          <p:cNvSpPr>
-            <a:spLocks noGrp="1"/>
-          </p:cNvSpPr>
-          <p:nvPr>
-            <p:ph type="title"/>
-          </p:nvPr>
-        </p:nvSpPr>
-        <p:spPr/>
-        <p:txBody>
-          <a:bodyPr/>
-          <a:lstStyle/>
-          <a:p>
-            <a:endParaRPr lang="es-AR"/>
-          </a:p>
-        </p:txBody>
-      </p:sp>
-      <p:sp>
-        <p:nvSpPr>
-          <p:cNvPr id="3" name="Marcador de contenido 2">
-            <a:extLst>
-              <a:ext uri="{FF2B5EF4-FFF2-40B4-BE49-F238E27FC236}">
-                <a16:creationId xmlns:a16="http://schemas.microsoft.com/office/drawing/2014/main" id="{66CA4D26-4075-4D96-B795-BC6061404C40}"/>
-              </a:ext>
-            </a:extLst>
-          </p:cNvPr>
-          <p:cNvSpPr>
-            <a:spLocks noGrp="1"/>
-          </p:cNvSpPr>
-          <p:nvPr>
-            <p:ph idx="1"/>
-          </p:nvPr>
-        </p:nvSpPr>
-        <p:spPr/>
-        <p:txBody>
-          <a:bodyPr/>
-          <a:lstStyle/>
-          <a:p>
-            <a:endParaRPr lang="es-AR"/>
-          </a:p>
-        </p:txBody>
-      </p:sp>
-    </p:spTree>
-    <p:extLst>
-      <p:ext uri="{BB962C8B-B14F-4D97-AF65-F5344CB8AC3E}">
-        <p14:creationId xmlns:p14="http://schemas.microsoft.com/office/powerpoint/2010/main" val="2929507633"/>
+        <p14:creationId xmlns:p14="http://schemas.microsoft.com/office/powerpoint/2010/main" val="2587506523"/>
       </p:ext>
     </p:extLst>
   </p:cSld>
@@ -14538,4 +14977,299 @@
     </a:ext>
   </a:extLst>
 </a:theme>
+</file>
+
+<file path=ppt/theme/theme2.xml><?xml version="1.0" encoding="utf-8"?>
+<a:theme xmlns:a="http://schemas.openxmlformats.org/drawingml/2006/main" name="Office Theme">
+  <a:themeElements>
+    <a:clrScheme name="Office">
+      <a:dk1>
+        <a:sysClr val="windowText" lastClr="000000"/>
+      </a:dk1>
+      <a:lt1>
+        <a:sysClr val="window" lastClr="FFFFFF"/>
+      </a:lt1>
+      <a:dk2>
+        <a:srgbClr val="44546A"/>
+      </a:dk2>
+      <a:lt2>
+        <a:srgbClr val="E7E6E6"/>
+      </a:lt2>
+      <a:accent1>
+        <a:srgbClr val="4472C4"/>
+      </a:accent1>
+      <a:accent2>
+        <a:srgbClr val="ED7D31"/>
+      </a:accent2>
+      <a:accent3>
+        <a:srgbClr val="A5A5A5"/>
+      </a:accent3>
+      <a:accent4>
+        <a:srgbClr val="FFC000"/>
+      </a:accent4>
+      <a:accent5>
+        <a:srgbClr val="5B9BD5"/>
+      </a:accent5>
+      <a:accent6>
+        <a:srgbClr val="70AD47"/>
+      </a:accent6>
+      <a:hlink>
+        <a:srgbClr val="0563C1"/>
+      </a:hlink>
+      <a:folHlink>
+        <a:srgbClr val="954F72"/>
+      </a:folHlink>
+    </a:clrScheme>
+    <a:fontScheme name="Office">
+      <a:majorFont>
+        <a:latin typeface="Calibri Light" panose="020F0302020204030204"/>
+        <a:ea typeface=""/>
+        <a:cs typeface=""/>
+        <a:font script="Jpan" typeface="游ゴシック Light"/>
+        <a:font script="Hang" typeface="맑은 고딕"/>
+        <a:font script="Hans" typeface="等线 Light"/>
+        <a:font script="Hant" typeface="新細明體"/>
+        <a:font script="Arab" typeface="Times New Roman"/>
+        <a:font script="Hebr" typeface="Times New Roman"/>
+        <a:font script="Thai" typeface="Angsana New"/>
+        <a:font script="Ethi" typeface="Nyala"/>
+        <a:font script="Beng" typeface="Vrinda"/>
+        <a:font script="Gujr" typeface="Shruti"/>
+        <a:font script="Khmr" typeface="MoolBoran"/>
+        <a:font script="Knda" typeface="Tunga"/>
+        <a:font script="Guru" typeface="Raavi"/>
+        <a:font script="Cans" typeface="Euphemia"/>
+        <a:font script="Cher" typeface="Plantagenet Cherokee"/>
+        <a:font script="Yiii" typeface="Microsoft Yi Baiti"/>
+        <a:font script="Tibt" typeface="Microsoft Himalaya"/>
+        <a:font script="Thaa" typeface="MV Boli"/>
+        <a:font script="Deva" typeface="Mangal"/>
+        <a:font script="Telu" typeface="Gautami"/>
+        <a:font script="Taml" typeface="Latha"/>
+        <a:font script="Syrc" typeface="Estrangelo Edessa"/>
+        <a:font script="Orya" typeface="Kalinga"/>
+        <a:font script="Mlym" typeface="Kartika"/>
+        <a:font script="Laoo" typeface="DokChampa"/>
+        <a:font script="Sinh" typeface="Iskoola Pota"/>
+        <a:font script="Mong" typeface="Mongolian Baiti"/>
+        <a:font script="Viet" typeface="Times New Roman"/>
+        <a:font script="Uigh" typeface="Microsoft Uighur"/>
+        <a:font script="Geor" typeface="Sylfaen"/>
+        <a:font script="Armn" typeface="Arial"/>
+        <a:font script="Bugi" typeface="Leelawadee UI"/>
+        <a:font script="Bopo" typeface="Microsoft JhengHei"/>
+        <a:font script="Java" typeface="Javanese Text"/>
+        <a:font script="Lisu" typeface="Segoe UI"/>
+        <a:font script="Mymr" typeface="Myanmar Text"/>
+        <a:font script="Nkoo" typeface="Ebrima"/>
+        <a:font script="Olck" typeface="Nirmala UI"/>
+        <a:font script="Osma" typeface="Ebrima"/>
+        <a:font script="Phag" typeface="Phagspa"/>
+        <a:font script="Syrn" typeface="Estrangelo Edessa"/>
+        <a:font script="Syrj" typeface="Estrangelo Edessa"/>
+        <a:font script="Syre" typeface="Estrangelo Edessa"/>
+        <a:font script="Sora" typeface="Nirmala UI"/>
+        <a:font script="Tale" typeface="Microsoft Tai Le"/>
+        <a:font script="Talu" typeface="Microsoft New Tai Lue"/>
+        <a:font script="Tfng" typeface="Ebrima"/>
+      </a:majorFont>
+      <a:minorFont>
+        <a:latin typeface="Calibri" panose="020F0502020204030204"/>
+        <a:ea typeface=""/>
+        <a:cs typeface=""/>
+        <a:font script="Jpan" typeface="游ゴシック"/>
+        <a:font script="Hang" typeface="맑은 고딕"/>
+        <a:font script="Hans" typeface="等线"/>
+        <a:font script="Hant" typeface="新細明體"/>
+        <a:font script="Arab" typeface="Arial"/>
+        <a:font script="Hebr" typeface="Arial"/>
+        <a:font script="Thai" typeface="Cordia New"/>
+        <a:font script="Ethi" typeface="Nyala"/>
+        <a:font script="Beng" typeface="Vrinda"/>
+        <a:font script="Gujr" typeface="Shruti"/>
+        <a:font script="Khmr" typeface="DaunPenh"/>
+        <a:font script="Knda" typeface="Tunga"/>
+        <a:font script="Guru" typeface="Raavi"/>
+        <a:font script="Cans" typeface="Euphemia"/>
+        <a:font script="Cher" typeface="Plantagenet Cherokee"/>
+        <a:font script="Yiii" typeface="Microsoft Yi Baiti"/>
+        <a:font script="Tibt" typeface="Microsoft Himalaya"/>
+        <a:font script="Thaa" typeface="MV Boli"/>
+        <a:font script="Deva" typeface="Mangal"/>
+        <a:font script="Telu" typeface="Gautami"/>
+        <a:font script="Taml" typeface="Latha"/>
+        <a:font script="Syrc" typeface="Estrangelo Edessa"/>
+        <a:font script="Orya" typeface="Kalinga"/>
+        <a:font script="Mlym" typeface="Kartika"/>
+        <a:font script="Laoo" typeface="DokChampa"/>
+        <a:font script="Sinh" typeface="Iskoola Pota"/>
+        <a:font script="Mong" typeface="Mongolian Baiti"/>
+        <a:font script="Viet" typeface="Arial"/>
+        <a:font script="Uigh" typeface="Microsoft Uighur"/>
+        <a:font script="Geor" typeface="Sylfaen"/>
+        <a:font script="Armn" typeface="Arial"/>
+        <a:font script="Bugi" typeface="Leelawadee UI"/>
+        <a:font script="Bopo" typeface="Microsoft JhengHei"/>
+        <a:font script="Java" typeface="Javanese Text"/>
+        <a:font script="Lisu" typeface="Segoe UI"/>
+        <a:font script="Mymr" typeface="Myanmar Text"/>
+        <a:font script="Nkoo" typeface="Ebrima"/>
+        <a:font script="Olck" typeface="Nirmala UI"/>
+        <a:font script="Osma" typeface="Ebrima"/>
+        <a:font script="Phag" typeface="Phagspa"/>
+        <a:font script="Syrn" typeface="Estrangelo Edessa"/>
+        <a:font script="Syrj" typeface="Estrangelo Edessa"/>
+        <a:font script="Syre" typeface="Estrangelo Edessa"/>
+        <a:font script="Sora" typeface="Nirmala UI"/>
+        <a:font script="Tale" typeface="Microsoft Tai Le"/>
+        <a:font script="Talu" typeface="Microsoft New Tai Lue"/>
+        <a:font script="Tfng" typeface="Ebrima"/>
+      </a:minorFont>
+    </a:fontScheme>
+    <a:fmtScheme name="Office">
+      <a:fillStyleLst>
+        <a:solidFill>
+          <a:schemeClr val="phClr"/>
+        </a:solidFill>
+        <a:gradFill rotWithShape="1">
+          <a:gsLst>
+            <a:gs pos="0">
+              <a:schemeClr val="phClr">
+                <a:lumMod val="110000"/>
+                <a:satMod val="105000"/>
+                <a:tint val="67000"/>
+              </a:schemeClr>
+            </a:gs>
+            <a:gs pos="50000">
+              <a:schemeClr val="phClr">
+                <a:lumMod val="105000"/>
+                <a:satMod val="103000"/>
+                <a:tint val="73000"/>
+              </a:schemeClr>
+            </a:gs>
+            <a:gs pos="100000">
+              <a:schemeClr val="phClr">
+                <a:lumMod val="105000"/>
+                <a:satMod val="109000"/>
+                <a:tint val="81000"/>
+              </a:schemeClr>
+            </a:gs>
+          </a:gsLst>
+          <a:lin ang="5400000" scaled="0"/>
+        </a:gradFill>
+        <a:gradFill rotWithShape="1">
+          <a:gsLst>
+            <a:gs pos="0">
+              <a:schemeClr val="phClr">
+                <a:satMod val="103000"/>
+                <a:lumMod val="102000"/>
+                <a:tint val="94000"/>
+              </a:schemeClr>
+            </a:gs>
+            <a:gs pos="50000">
+              <a:schemeClr val="phClr">
+                <a:satMod val="110000"/>
+                <a:lumMod val="100000"/>
+                <a:shade val="100000"/>
+              </a:schemeClr>
+            </a:gs>
+            <a:gs pos="100000">
+              <a:schemeClr val="phClr">
+                <a:lumMod val="99000"/>
+                <a:satMod val="120000"/>
+                <a:shade val="78000"/>
+              </a:schemeClr>
+            </a:gs>
+          </a:gsLst>
+          <a:lin ang="5400000" scaled="0"/>
+        </a:gradFill>
+      </a:fillStyleLst>
+      <a:lnStyleLst>
+        <a:ln w="6350" cap="flat" cmpd="sng" algn="ctr">
+          <a:solidFill>
+            <a:schemeClr val="phClr"/>
+          </a:solidFill>
+          <a:prstDash val="solid"/>
+          <a:miter lim="800000"/>
+        </a:ln>
+        <a:ln w="12700" cap="flat" cmpd="sng" algn="ctr">
+          <a:solidFill>
+            <a:schemeClr val="phClr"/>
+          </a:solidFill>
+          <a:prstDash val="solid"/>
+          <a:miter lim="800000"/>
+        </a:ln>
+        <a:ln w="19050" cap="flat" cmpd="sng" algn="ctr">
+          <a:solidFill>
+            <a:schemeClr val="phClr"/>
+          </a:solidFill>
+          <a:prstDash val="solid"/>
+          <a:miter lim="800000"/>
+        </a:ln>
+      </a:lnStyleLst>
+      <a:effectStyleLst>
+        <a:effectStyle>
+          <a:effectLst/>
+        </a:effectStyle>
+        <a:effectStyle>
+          <a:effectLst/>
+        </a:effectStyle>
+        <a:effectStyle>
+          <a:effectLst>
+            <a:outerShdw blurRad="57150" dist="19050" dir="5400000" algn="ctr" rotWithShape="0">
+              <a:srgbClr val="000000">
+                <a:alpha val="63000"/>
+              </a:srgbClr>
+            </a:outerShdw>
+          </a:effectLst>
+        </a:effectStyle>
+      </a:effectStyleLst>
+      <a:bgFillStyleLst>
+        <a:solidFill>
+          <a:schemeClr val="phClr"/>
+        </a:solidFill>
+        <a:solidFill>
+          <a:schemeClr val="phClr">
+            <a:tint val="95000"/>
+            <a:satMod val="170000"/>
+          </a:schemeClr>
+        </a:solidFill>
+        <a:gradFill rotWithShape="1">
+          <a:gsLst>
+            <a:gs pos="0">
+              <a:schemeClr val="phClr">
+                <a:tint val="93000"/>
+                <a:satMod val="150000"/>
+                <a:shade val="98000"/>
+                <a:lumMod val="102000"/>
+              </a:schemeClr>
+            </a:gs>
+            <a:gs pos="50000">
+              <a:schemeClr val="phClr">
+                <a:tint val="98000"/>
+                <a:satMod val="130000"/>
+                <a:shade val="90000"/>
+                <a:lumMod val="103000"/>
+              </a:schemeClr>
+            </a:gs>
+            <a:gs pos="100000">
+              <a:schemeClr val="phClr">
+                <a:shade val="63000"/>
+                <a:satMod val="120000"/>
+              </a:schemeClr>
+            </a:gs>
+          </a:gsLst>
+          <a:lin ang="5400000" scaled="0"/>
+        </a:gradFill>
+      </a:bgFillStyleLst>
+    </a:fmtScheme>
+  </a:themeElements>
+  <a:objectDefaults/>
+  <a:extraClrSchemeLst/>
+  <a:extLst>
+    <a:ext uri="{05A4C25C-085E-4340-85A3-A5531E510DB2}">
+      <thm15:themeFamily xmlns:thm15="http://schemas.microsoft.com/office/thememl/2012/main" name="Office Theme" id="{62F939B6-93AF-4DB8-9C6B-D6C7DFDC589F}" vid="{4A3C46E8-61CC-4603-A589-7422A47A8E4A}"/>
+    </a:ext>
+  </a:extLst>
+</a:theme>
 </file>
--- a/Proyecto2/Presentacion Proyecto 2.pptx
+++ b/Proyecto2/Presentacion Proyecto 2.pptx
@@ -5,7 +5,7 @@
     <p:sldMasterId id="2147483648" r:id="rId1"/>
   </p:sldMasterIdLst>
   <p:notesMasterIdLst>
-    <p:notesMasterId r:id="rId9"/>
+    <p:notesMasterId r:id="rId10"/>
   </p:notesMasterIdLst>
   <p:sldIdLst>
     <p:sldId id="256" r:id="rId2"/>
@@ -15,6 +15,7 @@
     <p:sldId id="268" r:id="rId6"/>
     <p:sldId id="267" r:id="rId7"/>
     <p:sldId id="262" r:id="rId8"/>
+    <p:sldId id="269" r:id="rId9"/>
   </p:sldIdLst>
   <p:sldSz cx="12192000" cy="6858000"/>
   <p:notesSz cx="6858000" cy="9144000"/>
@@ -13705,6 +13706,49 @@
           </a:p>
         </p:txBody>
       </p:sp>
+      <p:sp>
+        <p:nvSpPr>
+          <p:cNvPr id="6" name="Footer Placeholder 5">
+            <a:extLst>
+              <a:ext uri="{FF2B5EF4-FFF2-40B4-BE49-F238E27FC236}">
+                <a16:creationId xmlns:a16="http://schemas.microsoft.com/office/drawing/2014/main" id="{F470766D-8BF2-4170-87C3-CF7D08B3BA35}"/>
+              </a:ext>
+            </a:extLst>
+          </p:cNvPr>
+          <p:cNvSpPr>
+            <a:spLocks noGrp="1"/>
+          </p:cNvSpPr>
+          <p:nvPr>
+            <p:ph type="ftr" sz="quarter" idx="11"/>
+          </p:nvPr>
+        </p:nvSpPr>
+        <p:spPr>
+          <a:xfrm>
+            <a:off x="9117497" y="5353878"/>
+            <a:ext cx="1847802" cy="475416"/>
+          </a:xfrm>
+        </p:spPr>
+        <p:txBody>
+          <a:bodyPr/>
+          <a:lstStyle/>
+          <a:p>
+            <a:r>
+              <a:rPr lang="en-US" sz="1200" dirty="0"/>
+              <a:t>Landau Nicolas</a:t>
+            </a:r>
+          </a:p>
+          <a:p>
+            <a:r>
+              <a:rPr lang="en-US" sz="1200" dirty="0" err="1"/>
+              <a:t>Mignucci</a:t>
+            </a:r>
+            <a:r>
+              <a:rPr lang="en-US" sz="1200" dirty="0"/>
+              <a:t> Bruno</a:t>
+            </a:r>
+          </a:p>
+        </p:txBody>
+      </p:sp>
     </p:spTree>
     <p:extLst>
       <p:ext uri="{BB962C8B-B14F-4D97-AF65-F5344CB8AC3E}">
@@ -13792,19 +13836,33 @@
           <a:p>
             <a:r>
               <a:rPr lang="es-AR" dirty="0"/>
-              <a:t>Elección de la escena</a:t>
-            </a:r>
-          </a:p>
-          <a:p>
+              <a:t>Escena “A”</a:t>
+            </a:r>
+          </a:p>
+          <a:p>
+            <a:pPr lvl="1">
+              <a:buFont typeface="+mj-lt"/>
+              <a:buAutoNum type="arabicPeriod"/>
+            </a:pPr>
             <a:r>
               <a:rPr lang="es-AR" dirty="0"/>
-              <a:t>Modelos de iluminación</a:t>
-            </a:r>
-          </a:p>
-          <a:p>
+              <a:t>Objetos y materiales</a:t>
+            </a:r>
+          </a:p>
+          <a:p>
+            <a:pPr lvl="1">
+              <a:buFont typeface="+mj-lt"/>
+              <a:buAutoNum type="arabicPeriod"/>
+            </a:pPr>
             <a:r>
               <a:rPr lang="es-AR" dirty="0"/>
-              <a:t>Interacción con la escena</a:t>
+              <a:t>Luces</a:t>
+            </a:r>
+          </a:p>
+          <a:p>
+            <a:r>
+              <a:rPr lang="es-AR" dirty="0"/>
+              <a:t>Escena “B”</a:t>
             </a:r>
           </a:p>
           <a:p>
@@ -13938,7 +13996,7 @@
           <a:p>
             <a:r>
               <a:rPr lang="es-AR" dirty="0"/>
-              <a:t>La escena “A” esta compuesta por 24 esferas sobre un plano iluminado por 3 luces diferentes.</a:t>
+              <a:t>La escena “A” estará compuesta por 24 esferas de al menos tres materiales sobre un plano iluminado por 3 luces diferentes.</a:t>
             </a:r>
           </a:p>
           <a:p>
@@ -14579,10 +14637,15 @@
             <p:ph idx="1"/>
           </p:nvPr>
         </p:nvSpPr>
-        <p:spPr/>
+        <p:spPr>
+          <a:xfrm>
+            <a:off x="1154954" y="2603500"/>
+            <a:ext cx="8825659" cy="3416300"/>
+          </a:xfrm>
+        </p:spPr>
         <p:txBody>
           <a:bodyPr>
-            <a:normAutofit fontScale="92500"/>
+            <a:normAutofit/>
           </a:bodyPr>
           <a:lstStyle/>
           <a:p>
@@ -14636,37 +14699,6 @@
                 <a:hlinkClick r:id="rId7"/>
               </a:rPr>
               <a:t>https://www.turbosquid.com/3d-models/3ds-max-flashlight-modelled/911909</a:t>
-            </a:r>
-            <a:endParaRPr lang="es-AR" dirty="0"/>
-          </a:p>
-          <a:p>
-            <a:r>
-              <a:rPr lang="en-US" dirty="0"/>
-              <a:t>D. </a:t>
-            </a:r>
-            <a:r>
-              <a:rPr lang="en-US" dirty="0" err="1"/>
-              <a:t>Guarnera</a:t>
-            </a:r>
-            <a:r>
-              <a:rPr lang="en-US" dirty="0"/>
-              <a:t>, G. C. </a:t>
-            </a:r>
-            <a:r>
-              <a:rPr lang="en-US" dirty="0" err="1"/>
-              <a:t>Guarnera</a:t>
-            </a:r>
-            <a:r>
-              <a:rPr lang="en-US" dirty="0"/>
-              <a:t>, A. Ghosh, C. </a:t>
-            </a:r>
-            <a:r>
-              <a:rPr lang="en-US" dirty="0" err="1"/>
-              <a:t>Denk</a:t>
-            </a:r>
-            <a:r>
-              <a:rPr lang="en-US" dirty="0"/>
-              <a:t>, and M. Glencross / BRDF Representation and Acquisition</a:t>
             </a:r>
             <a:endParaRPr lang="es-AR" dirty="0"/>
           </a:p>
@@ -14706,6 +14738,188 @@
     <p:extLst>
       <p:ext uri="{BB962C8B-B14F-4D97-AF65-F5344CB8AC3E}">
         <p14:creationId xmlns:p14="http://schemas.microsoft.com/office/powerpoint/2010/main" val="2587506523"/>
+      </p:ext>
+    </p:extLst>
+  </p:cSld>
+  <p:clrMapOvr>
+    <a:masterClrMapping/>
+  </p:clrMapOvr>
+</p:sld>
+</file>
+
+<file path=ppt/slides/slide8.xml><?xml version="1.0" encoding="utf-8"?>
+<p:sld xmlns:a="http://schemas.openxmlformats.org/drawingml/2006/main" xmlns:r="http://schemas.openxmlformats.org/officeDocument/2006/relationships" xmlns:p="http://schemas.openxmlformats.org/presentationml/2006/main">
+  <p:cSld>
+    <p:spTree>
+      <p:nvGrpSpPr>
+        <p:cNvPr id="1" name=""/>
+        <p:cNvGrpSpPr/>
+        <p:nvPr/>
+      </p:nvGrpSpPr>
+      <p:grpSpPr>
+        <a:xfrm>
+          <a:off x="0" y="0"/>
+          <a:ext cx="0" cy="0"/>
+          <a:chOff x="0" y="0"/>
+          <a:chExt cx="0" cy="0"/>
+        </a:xfrm>
+      </p:grpSpPr>
+      <p:sp>
+        <p:nvSpPr>
+          <p:cNvPr id="2" name="Title 1">
+            <a:extLst>
+              <a:ext uri="{FF2B5EF4-FFF2-40B4-BE49-F238E27FC236}">
+                <a16:creationId xmlns:a16="http://schemas.microsoft.com/office/drawing/2014/main" id="{20EB4242-F123-4D6D-93DC-49555E92C2CC}"/>
+              </a:ext>
+            </a:extLst>
+          </p:cNvPr>
+          <p:cNvSpPr>
+            <a:spLocks noGrp="1"/>
+          </p:cNvSpPr>
+          <p:nvPr>
+            <p:ph type="title"/>
+          </p:nvPr>
+        </p:nvSpPr>
+        <p:spPr/>
+        <p:txBody>
+          <a:bodyPr/>
+          <a:lstStyle/>
+          <a:p>
+            <a:endParaRPr lang="es-ES"/>
+          </a:p>
+        </p:txBody>
+      </p:sp>
+      <p:sp>
+        <p:nvSpPr>
+          <p:cNvPr id="3" name="Content Placeholder 2">
+            <a:extLst>
+              <a:ext uri="{FF2B5EF4-FFF2-40B4-BE49-F238E27FC236}">
+                <a16:creationId xmlns:a16="http://schemas.microsoft.com/office/drawing/2014/main" id="{5E85BC73-F4EF-4C77-94D4-BB00EC83F8C7}"/>
+              </a:ext>
+            </a:extLst>
+          </p:cNvPr>
+          <p:cNvSpPr>
+            <a:spLocks noGrp="1"/>
+          </p:cNvSpPr>
+          <p:nvPr>
+            <p:ph idx="1"/>
+          </p:nvPr>
+        </p:nvSpPr>
+        <p:spPr/>
+        <p:txBody>
+          <a:bodyPr/>
+          <a:lstStyle/>
+          <a:p>
+            <a:r>
+              <a:rPr lang="en-US" dirty="0"/>
+              <a:t>D. </a:t>
+            </a:r>
+            <a:r>
+              <a:rPr lang="en-US" dirty="0" err="1"/>
+              <a:t>Guarnera</a:t>
+            </a:r>
+            <a:r>
+              <a:rPr lang="en-US" dirty="0"/>
+              <a:t>, G. C. </a:t>
+            </a:r>
+            <a:r>
+              <a:rPr lang="en-US" dirty="0" err="1"/>
+              <a:t>Guarnera</a:t>
+            </a:r>
+            <a:r>
+              <a:rPr lang="en-US" dirty="0"/>
+              <a:t>, A. Ghosh, C. </a:t>
+            </a:r>
+            <a:r>
+              <a:rPr lang="en-US" dirty="0" err="1"/>
+              <a:t>Denk</a:t>
+            </a:r>
+            <a:r>
+              <a:rPr lang="en-US" dirty="0"/>
+              <a:t>, and M. Glencross / BRDF Representation and Acquisition</a:t>
+            </a:r>
+          </a:p>
+          <a:p>
+            <a:r>
+              <a:rPr lang="es-ES" dirty="0">
+                <a:hlinkClick r:id="rId2"/>
+              </a:rPr>
+              <a:t>http://devernay.free.fr/cours/opengl/materials.html</a:t>
+            </a:r>
+            <a:endParaRPr lang="es-ES" dirty="0"/>
+          </a:p>
+          <a:p>
+            <a:r>
+              <a:rPr lang="es-ES" dirty="0">
+                <a:hlinkClick r:id="rId3"/>
+              </a:rPr>
+              <a:t>http://planetpixelemporium.com/tutorialpages/light.html</a:t>
+            </a:r>
+            <a:endParaRPr lang="es-ES" dirty="0"/>
+          </a:p>
+          <a:p>
+            <a:r>
+              <a:rPr lang="es-ES" dirty="0">
+                <a:hlinkClick r:id="rId4"/>
+              </a:rPr>
+              <a:t>https://learnopengl.com/Lighting/Colors</a:t>
+            </a:r>
+            <a:endParaRPr lang="es-ES" dirty="0"/>
+          </a:p>
+          <a:p>
+            <a:r>
+              <a:rPr lang="es-ES" dirty="0">
+                <a:hlinkClick r:id="rId5"/>
+              </a:rPr>
+              <a:t>https://www.khronos.org/files/opengles3-quick-reference-card.pdf</a:t>
+            </a:r>
+            <a:endParaRPr lang="es-AR" dirty="0"/>
+          </a:p>
+          <a:p>
+            <a:r>
+              <a:rPr lang="es-ES" dirty="0">
+                <a:hlinkClick r:id="rId6"/>
+              </a:rPr>
+              <a:t>https://www.opengl.org/sdk/docs/tutorials/ClockworkCoders/lighting.php</a:t>
+            </a:r>
+            <a:endParaRPr lang="es-ES" dirty="0"/>
+          </a:p>
+        </p:txBody>
+      </p:sp>
+      <p:sp>
+        <p:nvSpPr>
+          <p:cNvPr id="4" name="Slide Number Placeholder 3">
+            <a:extLst>
+              <a:ext uri="{FF2B5EF4-FFF2-40B4-BE49-F238E27FC236}">
+                <a16:creationId xmlns:a16="http://schemas.microsoft.com/office/drawing/2014/main" id="{057362DE-D0EF-430B-8506-E7B4D349E16C}"/>
+              </a:ext>
+            </a:extLst>
+          </p:cNvPr>
+          <p:cNvSpPr>
+            <a:spLocks noGrp="1"/>
+          </p:cNvSpPr>
+          <p:nvPr>
+            <p:ph type="sldNum" sz="quarter" idx="12"/>
+          </p:nvPr>
+        </p:nvSpPr>
+        <p:spPr/>
+        <p:txBody>
+          <a:bodyPr/>
+          <a:lstStyle/>
+          <a:p>
+            <a:fld id="{D57F1E4F-1CFF-5643-939E-217C01CDF565}" type="slidenum">
+              <a:rPr lang="en-US" smtClean="0"/>
+              <a:pPr/>
+              <a:t>8</a:t>
+            </a:fld>
+            <a:endParaRPr lang="en-US" dirty="0"/>
+          </a:p>
+        </p:txBody>
+      </p:sp>
+    </p:spTree>
+    <p:extLst>
+      <p:ext uri="{BB962C8B-B14F-4D97-AF65-F5344CB8AC3E}">
+        <p14:creationId xmlns:p14="http://schemas.microsoft.com/office/powerpoint/2010/main" val="2951856969"/>
       </p:ext>
     </p:extLst>
   </p:cSld>

--- a/Proyecto2/Presentacion Proyecto 2.pptx
+++ b/Proyecto2/Presentacion Proyecto 2.pptx
@@ -5,7 +5,7 @@
     <p:sldMasterId id="2147483648" r:id="rId1"/>
   </p:sldMasterIdLst>
   <p:notesMasterIdLst>
-    <p:notesMasterId r:id="rId10"/>
+    <p:notesMasterId r:id="rId12"/>
   </p:notesMasterIdLst>
   <p:sldIdLst>
     <p:sldId id="256" r:id="rId2"/>
@@ -14,8 +14,10 @@
     <p:sldId id="266" r:id="rId5"/>
     <p:sldId id="268" r:id="rId6"/>
     <p:sldId id="267" r:id="rId7"/>
-    <p:sldId id="262" r:id="rId8"/>
-    <p:sldId id="269" r:id="rId9"/>
+    <p:sldId id="272" r:id="rId8"/>
+    <p:sldId id="271" r:id="rId9"/>
+    <p:sldId id="262" r:id="rId10"/>
+    <p:sldId id="269" r:id="rId11"/>
   </p:sldIdLst>
   <p:sldSz cx="12192000" cy="6858000"/>
   <p:notesSz cx="6858000" cy="9144000"/>
@@ -13762,6 +13764,188 @@
 </p:sld>
 </file>
 
+<file path=ppt/slides/slide10.xml><?xml version="1.0" encoding="utf-8"?>
+<p:sld xmlns:a="http://schemas.openxmlformats.org/drawingml/2006/main" xmlns:r="http://schemas.openxmlformats.org/officeDocument/2006/relationships" xmlns:p="http://schemas.openxmlformats.org/presentationml/2006/main">
+  <p:cSld>
+    <p:spTree>
+      <p:nvGrpSpPr>
+        <p:cNvPr id="1" name=""/>
+        <p:cNvGrpSpPr/>
+        <p:nvPr/>
+      </p:nvGrpSpPr>
+      <p:grpSpPr>
+        <a:xfrm>
+          <a:off x="0" y="0"/>
+          <a:ext cx="0" cy="0"/>
+          <a:chOff x="0" y="0"/>
+          <a:chExt cx="0" cy="0"/>
+        </a:xfrm>
+      </p:grpSpPr>
+      <p:sp>
+        <p:nvSpPr>
+          <p:cNvPr id="2" name="Title 1">
+            <a:extLst>
+              <a:ext uri="{FF2B5EF4-FFF2-40B4-BE49-F238E27FC236}">
+                <a16:creationId xmlns:a16="http://schemas.microsoft.com/office/drawing/2014/main" id="{20EB4242-F123-4D6D-93DC-49555E92C2CC}"/>
+              </a:ext>
+            </a:extLst>
+          </p:cNvPr>
+          <p:cNvSpPr>
+            <a:spLocks noGrp="1"/>
+          </p:cNvSpPr>
+          <p:nvPr>
+            <p:ph type="title"/>
+          </p:nvPr>
+        </p:nvSpPr>
+        <p:spPr/>
+        <p:txBody>
+          <a:bodyPr/>
+          <a:lstStyle/>
+          <a:p>
+            <a:endParaRPr lang="es-ES"/>
+          </a:p>
+        </p:txBody>
+      </p:sp>
+      <p:sp>
+        <p:nvSpPr>
+          <p:cNvPr id="3" name="Content Placeholder 2">
+            <a:extLst>
+              <a:ext uri="{FF2B5EF4-FFF2-40B4-BE49-F238E27FC236}">
+                <a16:creationId xmlns:a16="http://schemas.microsoft.com/office/drawing/2014/main" id="{5E85BC73-F4EF-4C77-94D4-BB00EC83F8C7}"/>
+              </a:ext>
+            </a:extLst>
+          </p:cNvPr>
+          <p:cNvSpPr>
+            <a:spLocks noGrp="1"/>
+          </p:cNvSpPr>
+          <p:nvPr>
+            <p:ph idx="1"/>
+          </p:nvPr>
+        </p:nvSpPr>
+        <p:spPr/>
+        <p:txBody>
+          <a:bodyPr/>
+          <a:lstStyle/>
+          <a:p>
+            <a:r>
+              <a:rPr lang="en-US" dirty="0"/>
+              <a:t>D. </a:t>
+            </a:r>
+            <a:r>
+              <a:rPr lang="en-US" dirty="0" err="1"/>
+              <a:t>Guarnera</a:t>
+            </a:r>
+            <a:r>
+              <a:rPr lang="en-US" dirty="0"/>
+              <a:t>, G. C. </a:t>
+            </a:r>
+            <a:r>
+              <a:rPr lang="en-US" dirty="0" err="1"/>
+              <a:t>Guarnera</a:t>
+            </a:r>
+            <a:r>
+              <a:rPr lang="en-US" dirty="0"/>
+              <a:t>, A. Ghosh, C. </a:t>
+            </a:r>
+            <a:r>
+              <a:rPr lang="en-US" dirty="0" err="1"/>
+              <a:t>Denk</a:t>
+            </a:r>
+            <a:r>
+              <a:rPr lang="en-US" dirty="0"/>
+              <a:t>, and M. Glencross / BRDF Representation and Acquisition</a:t>
+            </a:r>
+          </a:p>
+          <a:p>
+            <a:r>
+              <a:rPr lang="es-ES" dirty="0">
+                <a:hlinkClick r:id="rId2"/>
+              </a:rPr>
+              <a:t>http://devernay.free.fr/cours/opengl/materials.html</a:t>
+            </a:r>
+            <a:endParaRPr lang="es-ES" dirty="0"/>
+          </a:p>
+          <a:p>
+            <a:r>
+              <a:rPr lang="es-ES" dirty="0">
+                <a:hlinkClick r:id="rId3"/>
+              </a:rPr>
+              <a:t>http://planetpixelemporium.com/tutorialpages/light.html</a:t>
+            </a:r>
+            <a:endParaRPr lang="es-ES" dirty="0"/>
+          </a:p>
+          <a:p>
+            <a:r>
+              <a:rPr lang="es-ES" dirty="0">
+                <a:hlinkClick r:id="rId4"/>
+              </a:rPr>
+              <a:t>https://learnopengl.com/Lighting/Colors</a:t>
+            </a:r>
+            <a:endParaRPr lang="es-ES" dirty="0"/>
+          </a:p>
+          <a:p>
+            <a:r>
+              <a:rPr lang="es-ES" dirty="0">
+                <a:hlinkClick r:id="rId5"/>
+              </a:rPr>
+              <a:t>https://www.khronos.org/files/opengles3-quick-reference-card.pdf</a:t>
+            </a:r>
+            <a:endParaRPr lang="es-AR" dirty="0"/>
+          </a:p>
+          <a:p>
+            <a:r>
+              <a:rPr lang="es-ES" dirty="0">
+                <a:hlinkClick r:id="rId6"/>
+              </a:rPr>
+              <a:t>https://www.opengl.org/sdk/docs/tutorials/ClockworkCoders/lighting.php</a:t>
+            </a:r>
+            <a:endParaRPr lang="es-ES" dirty="0"/>
+          </a:p>
+        </p:txBody>
+      </p:sp>
+      <p:sp>
+        <p:nvSpPr>
+          <p:cNvPr id="4" name="Slide Number Placeholder 3">
+            <a:extLst>
+              <a:ext uri="{FF2B5EF4-FFF2-40B4-BE49-F238E27FC236}">
+                <a16:creationId xmlns:a16="http://schemas.microsoft.com/office/drawing/2014/main" id="{057362DE-D0EF-430B-8506-E7B4D349E16C}"/>
+              </a:ext>
+            </a:extLst>
+          </p:cNvPr>
+          <p:cNvSpPr>
+            <a:spLocks noGrp="1"/>
+          </p:cNvSpPr>
+          <p:nvPr>
+            <p:ph type="sldNum" sz="quarter" idx="12"/>
+          </p:nvPr>
+        </p:nvSpPr>
+        <p:spPr/>
+        <p:txBody>
+          <a:bodyPr/>
+          <a:lstStyle/>
+          <a:p>
+            <a:fld id="{D57F1E4F-1CFF-5643-939E-217C01CDF565}" type="slidenum">
+              <a:rPr lang="en-US" smtClean="0"/>
+              <a:pPr/>
+              <a:t>10</a:t>
+            </a:fld>
+            <a:endParaRPr lang="en-US" dirty="0"/>
+          </a:p>
+        </p:txBody>
+      </p:sp>
+    </p:spTree>
+    <p:extLst>
+      <p:ext uri="{BB962C8B-B14F-4D97-AF65-F5344CB8AC3E}">
+        <p14:creationId xmlns:p14="http://schemas.microsoft.com/office/powerpoint/2010/main" val="2951856969"/>
+      </p:ext>
+    </p:extLst>
+  </p:cSld>
+  <p:clrMapOvr>
+    <a:masterClrMapping/>
+  </p:clrMapOvr>
+</p:sld>
+</file>
+
 <file path=ppt/slides/slide2.xml><?xml version="1.0" encoding="utf-8"?>
 <p:sld xmlns:a="http://schemas.openxmlformats.org/drawingml/2006/main" xmlns:r="http://schemas.openxmlformats.org/officeDocument/2006/relationships" xmlns:p="http://schemas.openxmlformats.org/presentationml/2006/main">
   <p:cSld>
@@ -14499,38 +14683,6 @@
               <a:t>Un alien y una nave espacial, ubicados en una granja.</a:t>
             </a:r>
           </a:p>
-          <a:p>
-            <a:r>
-              <a:rPr lang="es-ES" dirty="0"/>
-              <a:t>La granja esta formada por un granero, un silo, un tractor y arboles.</a:t>
-            </a:r>
-          </a:p>
-          <a:p>
-            <a:r>
-              <a:rPr lang="es-ES" dirty="0"/>
-              <a:t>La nave espacial tiene tres luces spot de diferentes colores que apuntan hacia abajo, solapándose en el medio.</a:t>
-            </a:r>
-          </a:p>
-          <a:p>
-            <a:r>
-              <a:rPr lang="es-ES" dirty="0"/>
-              <a:t>Una luz direccional simulando la luz del día, para poder iluminar la escena fuera de los spots de la nave.</a:t>
-            </a:r>
-          </a:p>
-          <a:p>
-            <a:r>
-              <a:rPr lang="es-ES" dirty="0"/>
-              <a:t>La escena se dibuja con el </a:t>
-            </a:r>
-            <a:r>
-              <a:rPr lang="es-ES" dirty="0" err="1"/>
-              <a:t>shader</a:t>
-            </a:r>
-            <a:r>
-              <a:rPr lang="es-ES" dirty="0"/>
-              <a:t> que implementa el modelo de Cook-Torrance, ya que nos brindaba una buena apariencia en todos los objetos que queríamos mostrar.</a:t>
-            </a:r>
-          </a:p>
         </p:txBody>
       </p:sp>
       <p:sp>
@@ -14577,6 +14729,293 @@
 </file>
 
 <file path=ppt/slides/slide7.xml><?xml version="1.0" encoding="utf-8"?>
+<p:sld xmlns:a="http://schemas.openxmlformats.org/drawingml/2006/main" xmlns:r="http://schemas.openxmlformats.org/officeDocument/2006/relationships" xmlns:p="http://schemas.openxmlformats.org/presentationml/2006/main">
+  <p:cSld>
+    <p:spTree>
+      <p:nvGrpSpPr>
+        <p:cNvPr id="1" name=""/>
+        <p:cNvGrpSpPr/>
+        <p:nvPr/>
+      </p:nvGrpSpPr>
+      <p:grpSpPr>
+        <a:xfrm>
+          <a:off x="0" y="0"/>
+          <a:ext cx="0" cy="0"/>
+          <a:chOff x="0" y="0"/>
+          <a:chExt cx="0" cy="0"/>
+        </a:xfrm>
+      </p:grpSpPr>
+      <p:sp>
+        <p:nvSpPr>
+          <p:cNvPr id="2" name="Title 1">
+            <a:extLst>
+              <a:ext uri="{FF2B5EF4-FFF2-40B4-BE49-F238E27FC236}">
+                <a16:creationId xmlns:a16="http://schemas.microsoft.com/office/drawing/2014/main" id="{6BE2A317-7441-44EA-ADCF-EB4D94613548}"/>
+              </a:ext>
+            </a:extLst>
+          </p:cNvPr>
+          <p:cNvSpPr>
+            <a:spLocks noGrp="1"/>
+          </p:cNvSpPr>
+          <p:nvPr>
+            <p:ph type="title"/>
+          </p:nvPr>
+        </p:nvSpPr>
+        <p:spPr/>
+        <p:txBody>
+          <a:bodyPr/>
+          <a:lstStyle/>
+          <a:p>
+            <a:endParaRPr lang="es-ES"/>
+          </a:p>
+        </p:txBody>
+      </p:sp>
+      <p:sp>
+        <p:nvSpPr>
+          <p:cNvPr id="3" name="Content Placeholder 2">
+            <a:extLst>
+              <a:ext uri="{FF2B5EF4-FFF2-40B4-BE49-F238E27FC236}">
+                <a16:creationId xmlns:a16="http://schemas.microsoft.com/office/drawing/2014/main" id="{A8E50354-31FF-4CE6-BECC-F81A007230B8}"/>
+              </a:ext>
+            </a:extLst>
+          </p:cNvPr>
+          <p:cNvSpPr>
+            <a:spLocks noGrp="1"/>
+          </p:cNvSpPr>
+          <p:nvPr>
+            <p:ph idx="1"/>
+          </p:nvPr>
+        </p:nvSpPr>
+        <p:spPr>
+          <a:xfrm>
+            <a:off x="1154955" y="2603500"/>
+            <a:ext cx="8761412" cy="3416300"/>
+          </a:xfrm>
+        </p:spPr>
+        <p:txBody>
+          <a:bodyPr/>
+          <a:lstStyle/>
+          <a:p>
+            <a:r>
+              <a:rPr lang="es-ES" dirty="0"/>
+              <a:t>La nave espacial tiene tres luces spot de diferentes colores que apuntan hacia abajo, solapándose en el medio.</a:t>
+            </a:r>
+          </a:p>
+          <a:p>
+            <a:endParaRPr lang="es-ES" dirty="0"/>
+          </a:p>
+        </p:txBody>
+      </p:sp>
+      <p:sp>
+        <p:nvSpPr>
+          <p:cNvPr id="4" name="Slide Number Placeholder 3">
+            <a:extLst>
+              <a:ext uri="{FF2B5EF4-FFF2-40B4-BE49-F238E27FC236}">
+                <a16:creationId xmlns:a16="http://schemas.microsoft.com/office/drawing/2014/main" id="{20A6BCF6-8518-49D3-BD3A-A57A78E3B1E9}"/>
+              </a:ext>
+            </a:extLst>
+          </p:cNvPr>
+          <p:cNvSpPr>
+            <a:spLocks noGrp="1"/>
+          </p:cNvSpPr>
+          <p:nvPr>
+            <p:ph type="sldNum" sz="quarter" idx="12"/>
+          </p:nvPr>
+        </p:nvSpPr>
+        <p:spPr/>
+        <p:txBody>
+          <a:bodyPr/>
+          <a:lstStyle/>
+          <a:p>
+            <a:fld id="{D57F1E4F-1CFF-5643-939E-217C01CDF565}" type="slidenum">
+              <a:rPr lang="en-US" smtClean="0"/>
+              <a:pPr/>
+              <a:t>7</a:t>
+            </a:fld>
+            <a:endParaRPr lang="en-US" dirty="0"/>
+          </a:p>
+        </p:txBody>
+      </p:sp>
+      <p:pic>
+        <p:nvPicPr>
+          <p:cNvPr id="5" name="Content Placeholder 4">
+            <a:extLst>
+              <a:ext uri="{FF2B5EF4-FFF2-40B4-BE49-F238E27FC236}">
+                <a16:creationId xmlns:a16="http://schemas.microsoft.com/office/drawing/2014/main" id="{38C4D214-0DD6-46D5-9A15-8459E8BAE9E8}"/>
+              </a:ext>
+            </a:extLst>
+          </p:cNvPr>
+          <p:cNvPicPr>
+            <a:picLocks noChangeAspect="1"/>
+          </p:cNvPicPr>
+          <p:nvPr/>
+        </p:nvPicPr>
+        <p:blipFill>
+          <a:blip r:embed="rId2"/>
+          <a:stretch>
+            <a:fillRect/>
+          </a:stretch>
+        </p:blipFill>
+        <p:spPr>
+          <a:xfrm>
+            <a:off x="5069691" y="3336235"/>
+            <a:ext cx="5282849" cy="3416300"/>
+          </a:xfrm>
+          <a:prstGeom prst="rect">
+            <a:avLst/>
+          </a:prstGeom>
+        </p:spPr>
+      </p:pic>
+    </p:spTree>
+    <p:extLst>
+      <p:ext uri="{BB962C8B-B14F-4D97-AF65-F5344CB8AC3E}">
+        <p14:creationId xmlns:p14="http://schemas.microsoft.com/office/powerpoint/2010/main" val="4093403572"/>
+      </p:ext>
+    </p:extLst>
+  </p:cSld>
+  <p:clrMapOvr>
+    <a:masterClrMapping/>
+  </p:clrMapOvr>
+</p:sld>
+</file>
+
+<file path=ppt/slides/slide8.xml><?xml version="1.0" encoding="utf-8"?>
+<p:sld xmlns:a="http://schemas.openxmlformats.org/drawingml/2006/main" xmlns:r="http://schemas.openxmlformats.org/officeDocument/2006/relationships" xmlns:p="http://schemas.openxmlformats.org/presentationml/2006/main">
+  <p:cSld>
+    <p:spTree>
+      <p:nvGrpSpPr>
+        <p:cNvPr id="1" name=""/>
+        <p:cNvGrpSpPr/>
+        <p:nvPr/>
+      </p:nvGrpSpPr>
+      <p:grpSpPr>
+        <a:xfrm>
+          <a:off x="0" y="0"/>
+          <a:ext cx="0" cy="0"/>
+          <a:chOff x="0" y="0"/>
+          <a:chExt cx="0" cy="0"/>
+        </a:xfrm>
+      </p:grpSpPr>
+      <p:sp>
+        <p:nvSpPr>
+          <p:cNvPr id="2" name="Title 1">
+            <a:extLst>
+              <a:ext uri="{FF2B5EF4-FFF2-40B4-BE49-F238E27FC236}">
+                <a16:creationId xmlns:a16="http://schemas.microsoft.com/office/drawing/2014/main" id="{9D4D51F6-BB5C-45D8-8DEB-D0872929C25B}"/>
+              </a:ext>
+            </a:extLst>
+          </p:cNvPr>
+          <p:cNvSpPr>
+            <a:spLocks noGrp="1"/>
+          </p:cNvSpPr>
+          <p:nvPr>
+            <p:ph type="title"/>
+          </p:nvPr>
+        </p:nvSpPr>
+        <p:spPr/>
+        <p:txBody>
+          <a:bodyPr/>
+          <a:lstStyle/>
+          <a:p>
+            <a:endParaRPr lang="es-ES"/>
+          </a:p>
+        </p:txBody>
+      </p:sp>
+      <p:sp>
+        <p:nvSpPr>
+          <p:cNvPr id="3" name="Content Placeholder 2">
+            <a:extLst>
+              <a:ext uri="{FF2B5EF4-FFF2-40B4-BE49-F238E27FC236}">
+                <a16:creationId xmlns:a16="http://schemas.microsoft.com/office/drawing/2014/main" id="{8E97CB6C-0E04-4793-A94E-F38B769A4ABF}"/>
+              </a:ext>
+            </a:extLst>
+          </p:cNvPr>
+          <p:cNvSpPr>
+            <a:spLocks noGrp="1"/>
+          </p:cNvSpPr>
+          <p:nvPr>
+            <p:ph idx="1"/>
+          </p:nvPr>
+        </p:nvSpPr>
+        <p:spPr/>
+        <p:txBody>
+          <a:bodyPr/>
+          <a:lstStyle/>
+          <a:p>
+            <a:r>
+              <a:rPr lang="es-ES" dirty="0"/>
+              <a:t>La nave espacial tiene tres luces spot de diferentes colores que apuntan hacia abajo, solapándose en el medio.</a:t>
+            </a:r>
+          </a:p>
+          <a:p>
+            <a:r>
+              <a:rPr lang="es-ES" dirty="0"/>
+              <a:t>Una luz direccional simulando la luz del día, para poder iluminar la escena fuera de los spots de la nave.</a:t>
+            </a:r>
+          </a:p>
+          <a:p>
+            <a:r>
+              <a:rPr lang="es-ES" dirty="0"/>
+              <a:t>La escena se dibuja con el </a:t>
+            </a:r>
+            <a:r>
+              <a:rPr lang="es-ES" dirty="0" err="1"/>
+              <a:t>shader</a:t>
+            </a:r>
+            <a:r>
+              <a:rPr lang="es-ES" dirty="0"/>
+              <a:t> que implementa el modelo de Cook-Torrance, ya que nos brindaba una buena apariencia en todos los objetos que queríamos mostrar.</a:t>
+            </a:r>
+          </a:p>
+          <a:p>
+            <a:endParaRPr lang="es-ES" dirty="0"/>
+          </a:p>
+        </p:txBody>
+      </p:sp>
+      <p:sp>
+        <p:nvSpPr>
+          <p:cNvPr id="4" name="Slide Number Placeholder 3">
+            <a:extLst>
+              <a:ext uri="{FF2B5EF4-FFF2-40B4-BE49-F238E27FC236}">
+                <a16:creationId xmlns:a16="http://schemas.microsoft.com/office/drawing/2014/main" id="{C0FA321F-3242-4BA6-B23D-33453A304423}"/>
+              </a:ext>
+            </a:extLst>
+          </p:cNvPr>
+          <p:cNvSpPr>
+            <a:spLocks noGrp="1"/>
+          </p:cNvSpPr>
+          <p:nvPr>
+            <p:ph type="sldNum" sz="quarter" idx="12"/>
+          </p:nvPr>
+        </p:nvSpPr>
+        <p:spPr/>
+        <p:txBody>
+          <a:bodyPr/>
+          <a:lstStyle/>
+          <a:p>
+            <a:fld id="{D57F1E4F-1CFF-5643-939E-217C01CDF565}" type="slidenum">
+              <a:rPr lang="en-US" smtClean="0"/>
+              <a:pPr/>
+              <a:t>8</a:t>
+            </a:fld>
+            <a:endParaRPr lang="en-US" dirty="0"/>
+          </a:p>
+        </p:txBody>
+      </p:sp>
+    </p:spTree>
+    <p:extLst>
+      <p:ext uri="{BB962C8B-B14F-4D97-AF65-F5344CB8AC3E}">
+        <p14:creationId xmlns:p14="http://schemas.microsoft.com/office/powerpoint/2010/main" val="1237112973"/>
+      </p:ext>
+    </p:extLst>
+  </p:cSld>
+  <p:clrMapOvr>
+    <a:masterClrMapping/>
+  </p:clrMapOvr>
+</p:sld>
+</file>
+
+<file path=ppt/slides/slide9.xml><?xml version="1.0" encoding="utf-8"?>
 <p:sld xmlns:a="http://schemas.openxmlformats.org/drawingml/2006/main" xmlns:r="http://schemas.openxmlformats.org/officeDocument/2006/relationships" xmlns:p="http://schemas.openxmlformats.org/presentationml/2006/main">
   <p:cSld>
     <p:spTree>
@@ -14728,7 +15167,7 @@
             <a:fld id="{D57F1E4F-1CFF-5643-939E-217C01CDF565}" type="slidenum">
               <a:rPr lang="en-US" smtClean="0"/>
               <a:pPr/>
-              <a:t>7</a:t>
+              <a:t>9</a:t>
             </a:fld>
             <a:endParaRPr lang="en-US" dirty="0"/>
           </a:p>
@@ -14738,188 +15177,6 @@
     <p:extLst>
       <p:ext uri="{BB962C8B-B14F-4D97-AF65-F5344CB8AC3E}">
         <p14:creationId xmlns:p14="http://schemas.microsoft.com/office/powerpoint/2010/main" val="2587506523"/>
-      </p:ext>
-    </p:extLst>
-  </p:cSld>
-  <p:clrMapOvr>
-    <a:masterClrMapping/>
-  </p:clrMapOvr>
-</p:sld>
-</file>
-
-<file path=ppt/slides/slide8.xml><?xml version="1.0" encoding="utf-8"?>
-<p:sld xmlns:a="http://schemas.openxmlformats.org/drawingml/2006/main" xmlns:r="http://schemas.openxmlformats.org/officeDocument/2006/relationships" xmlns:p="http://schemas.openxmlformats.org/presentationml/2006/main">
-  <p:cSld>
-    <p:spTree>
-      <p:nvGrpSpPr>
-        <p:cNvPr id="1" name=""/>
-        <p:cNvGrpSpPr/>
-        <p:nvPr/>
-      </p:nvGrpSpPr>
-      <p:grpSpPr>
-        <a:xfrm>
-          <a:off x="0" y="0"/>
-          <a:ext cx="0" cy="0"/>
-          <a:chOff x="0" y="0"/>
-          <a:chExt cx="0" cy="0"/>
-        </a:xfrm>
-      </p:grpSpPr>
-      <p:sp>
-        <p:nvSpPr>
-          <p:cNvPr id="2" name="Title 1">
-            <a:extLst>
-              <a:ext uri="{FF2B5EF4-FFF2-40B4-BE49-F238E27FC236}">
-                <a16:creationId xmlns:a16="http://schemas.microsoft.com/office/drawing/2014/main" id="{20EB4242-F123-4D6D-93DC-49555E92C2CC}"/>
-              </a:ext>
-            </a:extLst>
-          </p:cNvPr>
-          <p:cNvSpPr>
-            <a:spLocks noGrp="1"/>
-          </p:cNvSpPr>
-          <p:nvPr>
-            <p:ph type="title"/>
-          </p:nvPr>
-        </p:nvSpPr>
-        <p:spPr/>
-        <p:txBody>
-          <a:bodyPr/>
-          <a:lstStyle/>
-          <a:p>
-            <a:endParaRPr lang="es-ES"/>
-          </a:p>
-        </p:txBody>
-      </p:sp>
-      <p:sp>
-        <p:nvSpPr>
-          <p:cNvPr id="3" name="Content Placeholder 2">
-            <a:extLst>
-              <a:ext uri="{FF2B5EF4-FFF2-40B4-BE49-F238E27FC236}">
-                <a16:creationId xmlns:a16="http://schemas.microsoft.com/office/drawing/2014/main" id="{5E85BC73-F4EF-4C77-94D4-BB00EC83F8C7}"/>
-              </a:ext>
-            </a:extLst>
-          </p:cNvPr>
-          <p:cNvSpPr>
-            <a:spLocks noGrp="1"/>
-          </p:cNvSpPr>
-          <p:nvPr>
-            <p:ph idx="1"/>
-          </p:nvPr>
-        </p:nvSpPr>
-        <p:spPr/>
-        <p:txBody>
-          <a:bodyPr/>
-          <a:lstStyle/>
-          <a:p>
-            <a:r>
-              <a:rPr lang="en-US" dirty="0"/>
-              <a:t>D. </a:t>
-            </a:r>
-            <a:r>
-              <a:rPr lang="en-US" dirty="0" err="1"/>
-              <a:t>Guarnera</a:t>
-            </a:r>
-            <a:r>
-              <a:rPr lang="en-US" dirty="0"/>
-              <a:t>, G. C. </a:t>
-            </a:r>
-            <a:r>
-              <a:rPr lang="en-US" dirty="0" err="1"/>
-              <a:t>Guarnera</a:t>
-            </a:r>
-            <a:r>
-              <a:rPr lang="en-US" dirty="0"/>
-              <a:t>, A. Ghosh, C. </a:t>
-            </a:r>
-            <a:r>
-              <a:rPr lang="en-US" dirty="0" err="1"/>
-              <a:t>Denk</a:t>
-            </a:r>
-            <a:r>
-              <a:rPr lang="en-US" dirty="0"/>
-              <a:t>, and M. Glencross / BRDF Representation and Acquisition</a:t>
-            </a:r>
-          </a:p>
-          <a:p>
-            <a:r>
-              <a:rPr lang="es-ES" dirty="0">
-                <a:hlinkClick r:id="rId2"/>
-              </a:rPr>
-              <a:t>http://devernay.free.fr/cours/opengl/materials.html</a:t>
-            </a:r>
-            <a:endParaRPr lang="es-ES" dirty="0"/>
-          </a:p>
-          <a:p>
-            <a:r>
-              <a:rPr lang="es-ES" dirty="0">
-                <a:hlinkClick r:id="rId3"/>
-              </a:rPr>
-              <a:t>http://planetpixelemporium.com/tutorialpages/light.html</a:t>
-            </a:r>
-            <a:endParaRPr lang="es-ES" dirty="0"/>
-          </a:p>
-          <a:p>
-            <a:r>
-              <a:rPr lang="es-ES" dirty="0">
-                <a:hlinkClick r:id="rId4"/>
-              </a:rPr>
-              <a:t>https://learnopengl.com/Lighting/Colors</a:t>
-            </a:r>
-            <a:endParaRPr lang="es-ES" dirty="0"/>
-          </a:p>
-          <a:p>
-            <a:r>
-              <a:rPr lang="es-ES" dirty="0">
-                <a:hlinkClick r:id="rId5"/>
-              </a:rPr>
-              <a:t>https://www.khronos.org/files/opengles3-quick-reference-card.pdf</a:t>
-            </a:r>
-            <a:endParaRPr lang="es-AR" dirty="0"/>
-          </a:p>
-          <a:p>
-            <a:r>
-              <a:rPr lang="es-ES" dirty="0">
-                <a:hlinkClick r:id="rId6"/>
-              </a:rPr>
-              <a:t>https://www.opengl.org/sdk/docs/tutorials/ClockworkCoders/lighting.php</a:t>
-            </a:r>
-            <a:endParaRPr lang="es-ES" dirty="0"/>
-          </a:p>
-        </p:txBody>
-      </p:sp>
-      <p:sp>
-        <p:nvSpPr>
-          <p:cNvPr id="4" name="Slide Number Placeholder 3">
-            <a:extLst>
-              <a:ext uri="{FF2B5EF4-FFF2-40B4-BE49-F238E27FC236}">
-                <a16:creationId xmlns:a16="http://schemas.microsoft.com/office/drawing/2014/main" id="{057362DE-D0EF-430B-8506-E7B4D349E16C}"/>
-              </a:ext>
-            </a:extLst>
-          </p:cNvPr>
-          <p:cNvSpPr>
-            <a:spLocks noGrp="1"/>
-          </p:cNvSpPr>
-          <p:nvPr>
-            <p:ph type="sldNum" sz="quarter" idx="12"/>
-          </p:nvPr>
-        </p:nvSpPr>
-        <p:spPr/>
-        <p:txBody>
-          <a:bodyPr/>
-          <a:lstStyle/>
-          <a:p>
-            <a:fld id="{D57F1E4F-1CFF-5643-939E-217C01CDF565}" type="slidenum">
-              <a:rPr lang="en-US" smtClean="0"/>
-              <a:pPr/>
-              <a:t>8</a:t>
-            </a:fld>
-            <a:endParaRPr lang="en-US" dirty="0"/>
-          </a:p>
-        </p:txBody>
-      </p:sp>
-    </p:spTree>
-    <p:extLst>
-      <p:ext uri="{BB962C8B-B14F-4D97-AF65-F5344CB8AC3E}">
-        <p14:creationId xmlns:p14="http://schemas.microsoft.com/office/powerpoint/2010/main" val="2951856969"/>
       </p:ext>
     </p:extLst>
   </p:cSld>

--- a/Proyecto2/Presentacion Proyecto 2.pptx
+++ b/Proyecto2/Presentacion Proyecto 2.pptx
@@ -13802,7 +13802,10 @@
           <a:bodyPr/>
           <a:lstStyle/>
           <a:p>
-            <a:endParaRPr lang="es-ES"/>
+            <a:r>
+              <a:rPr lang="es-ES"/>
+              <a:t>Fuentes</a:t>
+            </a:r>
           </a:p>
         </p:txBody>
       </p:sp>
@@ -14673,7 +14676,12 @@
             <p:ph idx="1"/>
           </p:nvPr>
         </p:nvSpPr>
-        <p:spPr/>
+        <p:spPr>
+          <a:xfrm>
+            <a:off x="1154955" y="2603500"/>
+            <a:ext cx="4250876" cy="3416300"/>
+          </a:xfrm>
+        </p:spPr>
         <p:txBody>
           <a:bodyPr/>
           <a:lstStyle/>
@@ -14715,6 +14723,36 @@
           </a:p>
         </p:txBody>
       </p:sp>
+      <p:pic>
+        <p:nvPicPr>
+          <p:cNvPr id="5" name="Picture 4">
+            <a:extLst>
+              <a:ext uri="{FF2B5EF4-FFF2-40B4-BE49-F238E27FC236}">
+                <a16:creationId xmlns:a16="http://schemas.microsoft.com/office/drawing/2014/main" id="{807128D6-CC6F-40B3-89F4-C7F234C8E0F6}"/>
+              </a:ext>
+            </a:extLst>
+          </p:cNvPr>
+          <p:cNvPicPr>
+            <a:picLocks noChangeAspect="1"/>
+          </p:cNvPicPr>
+          <p:nvPr/>
+        </p:nvPicPr>
+        <p:blipFill>
+          <a:blip r:embed="rId2"/>
+          <a:stretch>
+            <a:fillRect/>
+          </a:stretch>
+        </p:blipFill>
+        <p:spPr>
+          <a:xfrm>
+            <a:off x="5405831" y="2333625"/>
+            <a:ext cx="5534025" cy="3686175"/>
+          </a:xfrm>
+          <a:prstGeom prst="rect">
+            <a:avLst/>
+          </a:prstGeom>
+        </p:spPr>
+      </p:pic>
     </p:spTree>
     <p:extLst>
       <p:ext uri="{BB962C8B-B14F-4D97-AF65-F5344CB8AC3E}">
@@ -14766,7 +14804,10 @@
           <a:bodyPr/>
           <a:lstStyle/>
           <a:p>
-            <a:endParaRPr lang="es-ES"/>
+            <a:r>
+              <a:rPr lang="es-ES" dirty="0"/>
+              <a:t>Escena “B”</a:t>
+            </a:r>
           </a:p>
         </p:txBody>
       </p:sp>
@@ -14917,7 +14958,10 @@
           <a:bodyPr/>
           <a:lstStyle/>
           <a:p>
-            <a:endParaRPr lang="es-ES"/>
+            <a:r>
+              <a:rPr lang="es-ES" dirty="0"/>
+              <a:t>Escena “B”</a:t>
+            </a:r>
           </a:p>
         </p:txBody>
       </p:sp>
@@ -14944,13 +14988,7 @@
           <a:p>
             <a:r>
               <a:rPr lang="es-ES" dirty="0"/>
-              <a:t>La nave espacial tiene tres luces spot de diferentes colores que apuntan hacia abajo, solapándose en el medio.</a:t>
-            </a:r>
-          </a:p>
-          <a:p>
-            <a:r>
-              <a:rPr lang="es-ES" dirty="0"/>
-              <a:t>Una luz direccional simulando la luz del día, para poder iluminar la escena fuera de los spots de la nave.</a:t>
+              <a:t>Una luz direccional simulando la luz del día, para poder iluminar las partes que no están al alcance de los spots de la nave</a:t>
             </a:r>
           </a:p>
           <a:p>

--- a/Proyecto2/Presentacion Proyecto 2.pptx
+++ b/Proyecto2/Presentacion Proyecto 2.pptx
@@ -13802,10 +13802,7 @@
           <a:bodyPr/>
           <a:lstStyle/>
           <a:p>
-            <a:r>
-              <a:rPr lang="es-ES"/>
-              <a:t>Fuentes</a:t>
-            </a:r>
+            <a:endParaRPr lang="es-ES"/>
           </a:p>
         </p:txBody>
       </p:sp>
@@ -14676,12 +14673,7 @@
             <p:ph idx="1"/>
           </p:nvPr>
         </p:nvSpPr>
-        <p:spPr>
-          <a:xfrm>
-            <a:off x="1154955" y="2603500"/>
-            <a:ext cx="4250876" cy="3416300"/>
-          </a:xfrm>
-        </p:spPr>
+        <p:spPr/>
         <p:txBody>
           <a:bodyPr/>
           <a:lstStyle/>
@@ -14723,36 +14715,6 @@
           </a:p>
         </p:txBody>
       </p:sp>
-      <p:pic>
-        <p:nvPicPr>
-          <p:cNvPr id="5" name="Picture 4">
-            <a:extLst>
-              <a:ext uri="{FF2B5EF4-FFF2-40B4-BE49-F238E27FC236}">
-                <a16:creationId xmlns:a16="http://schemas.microsoft.com/office/drawing/2014/main" id="{807128D6-CC6F-40B3-89F4-C7F234C8E0F6}"/>
-              </a:ext>
-            </a:extLst>
-          </p:cNvPr>
-          <p:cNvPicPr>
-            <a:picLocks noChangeAspect="1"/>
-          </p:cNvPicPr>
-          <p:nvPr/>
-        </p:nvPicPr>
-        <p:blipFill>
-          <a:blip r:embed="rId2"/>
-          <a:stretch>
-            <a:fillRect/>
-          </a:stretch>
-        </p:blipFill>
-        <p:spPr>
-          <a:xfrm>
-            <a:off x="5405831" y="2333625"/>
-            <a:ext cx="5534025" cy="3686175"/>
-          </a:xfrm>
-          <a:prstGeom prst="rect">
-            <a:avLst/>
-          </a:prstGeom>
-        </p:spPr>
-      </p:pic>
     </p:spTree>
     <p:extLst>
       <p:ext uri="{BB962C8B-B14F-4D97-AF65-F5344CB8AC3E}">
@@ -14804,10 +14766,7 @@
           <a:bodyPr/>
           <a:lstStyle/>
           <a:p>
-            <a:r>
-              <a:rPr lang="es-ES" dirty="0"/>
-              <a:t>Escena “B”</a:t>
-            </a:r>
+            <a:endParaRPr lang="es-ES"/>
           </a:p>
         </p:txBody>
       </p:sp>
@@ -14958,10 +14917,7 @@
           <a:bodyPr/>
           <a:lstStyle/>
           <a:p>
-            <a:r>
-              <a:rPr lang="es-ES" dirty="0"/>
-              <a:t>Escena “B”</a:t>
-            </a:r>
+            <a:endParaRPr lang="es-ES"/>
           </a:p>
         </p:txBody>
       </p:sp>
@@ -14988,7 +14944,13 @@
           <a:p>
             <a:r>
               <a:rPr lang="es-ES" dirty="0"/>
-              <a:t>Una luz direccional simulando la luz del día, para poder iluminar las partes que no están al alcance de los spots de la nave</a:t>
+              <a:t>La nave espacial tiene tres luces spot de diferentes colores que apuntan hacia abajo, solapándose en el medio.</a:t>
+            </a:r>
+          </a:p>
+          <a:p>
+            <a:r>
+              <a:rPr lang="es-ES" dirty="0"/>
+              <a:t>Una luz direccional simulando la luz del día, para poder iluminar la escena fuera de los spots de la nave.</a:t>
             </a:r>
           </a:p>
           <a:p>

--- a/Proyecto2/Presentacion Proyecto 2.pptx
+++ b/Proyecto2/Presentacion Proyecto 2.pptx
@@ -206,7 +206,7 @@
           <a:p>
             <a:fld id="{FA381556-DB83-42E3-9DF7-63BB0A70D54F}" type="datetimeFigureOut">
               <a:rPr lang="es-ES" smtClean="0"/>
-              <a:t>16/05/2019</a:t>
+              <a:t>17/05/2019</a:t>
             </a:fld>
             <a:endParaRPr lang="es-ES"/>
           </a:p>
@@ -809,7 +809,7 @@
           <a:p>
             <a:fld id="{4F64CE53-3731-4B2D-9A5B-638BC2278C29}" type="datetime1">
               <a:rPr lang="en-US" smtClean="0"/>
-              <a:t>5/16/2019</a:t>
+              <a:t>5/17/2019</a:t>
             </a:fld>
             <a:endParaRPr lang="en-US" dirty="0"/>
           </a:p>
@@ -1897,7 +1897,7 @@
           <a:p>
             <a:fld id="{C53CF028-07E6-4A22-9657-F743047C878C}" type="datetime1">
               <a:rPr lang="en-US" smtClean="0"/>
-              <a:t>5/16/2019</a:t>
+              <a:t>5/17/2019</a:t>
             </a:fld>
             <a:endParaRPr lang="en-US" dirty="0"/>
           </a:p>
@@ -2877,7 +2877,7 @@
           <a:p>
             <a:fld id="{4DCCE13F-1B35-4D4D-8FFC-AB4DDA356BA5}" type="datetime1">
               <a:rPr lang="en-US" smtClean="0"/>
-              <a:t>5/16/2019</a:t>
+              <a:t>5/17/2019</a:t>
             </a:fld>
             <a:endParaRPr lang="en-US" dirty="0"/>
           </a:p>
@@ -4011,7 +4011,7 @@
           <a:p>
             <a:fld id="{3B8E737E-DF63-42D2-B2ED-C54F37860EC7}" type="datetime1">
               <a:rPr lang="en-US" smtClean="0"/>
-              <a:t>5/16/2019</a:t>
+              <a:t>5/17/2019</a:t>
             </a:fld>
             <a:endParaRPr lang="en-US" dirty="0"/>
           </a:p>
@@ -5044,7 +5044,7 @@
           <a:p>
             <a:fld id="{09B5098D-F18D-420C-B193-C10BB679B5D3}" type="datetime1">
               <a:rPr lang="en-US" smtClean="0"/>
-              <a:t>5/16/2019</a:t>
+              <a:t>5/17/2019</a:t>
             </a:fld>
             <a:endParaRPr lang="en-US" dirty="0"/>
           </a:p>
@@ -5704,7 +5704,7 @@
           <a:p>
             <a:fld id="{E579B621-C95D-4737-A871-2EE720A56866}" type="datetime1">
               <a:rPr lang="en-US" smtClean="0"/>
-              <a:t>5/16/2019</a:t>
+              <a:t>5/17/2019</a:t>
             </a:fld>
             <a:endParaRPr lang="en-US" dirty="0"/>
           </a:p>
@@ -6565,7 +6565,7 @@
           <a:p>
             <a:fld id="{C24F3D18-7FB4-47FD-A62C-0BDF09B262CB}" type="datetime1">
               <a:rPr lang="en-US" smtClean="0"/>
-              <a:t>5/16/2019</a:t>
+              <a:t>5/17/2019</a:t>
             </a:fld>
             <a:endParaRPr lang="en-US" dirty="0"/>
           </a:p>
@@ -6755,7 +6755,7 @@
           <a:p>
             <a:fld id="{84D05C7A-816D-454E-A3F5-C44D40A0BA58}" type="datetime1">
               <a:rPr lang="en-US" smtClean="0"/>
-              <a:t>5/16/2019</a:t>
+              <a:t>5/17/2019</a:t>
             </a:fld>
             <a:endParaRPr lang="en-US" dirty="0"/>
           </a:p>
@@ -7727,7 +7727,7 @@
           <a:p>
             <a:fld id="{F0B6759B-E42F-4966-A361-75E73FBBDC82}" type="datetime1">
               <a:rPr lang="en-US" smtClean="0"/>
-              <a:t>5/16/2019</a:t>
+              <a:t>5/17/2019</a:t>
             </a:fld>
             <a:endParaRPr lang="en-US" dirty="0"/>
           </a:p>
@@ -7938,7 +7938,7 @@
           <a:p>
             <a:fld id="{06029CB6-D96A-40B1-A79A-86D2BB7610EF}" type="datetime1">
               <a:rPr lang="en-US" smtClean="0"/>
-              <a:t>5/16/2019</a:t>
+              <a:t>5/17/2019</a:t>
             </a:fld>
             <a:endParaRPr lang="en-US" dirty="0"/>
           </a:p>
@@ -8972,7 +8972,7 @@
           <a:p>
             <a:fld id="{F6934322-10D2-4DBE-8EAB-6AC8BFF50F4B}" type="datetime1">
               <a:rPr lang="en-US" smtClean="0"/>
-              <a:t>5/16/2019</a:t>
+              <a:t>5/17/2019</a:t>
             </a:fld>
             <a:endParaRPr lang="en-US" dirty="0"/>
           </a:p>
@@ -9244,7 +9244,7 @@
           <a:p>
             <a:fld id="{F1160277-FABB-4524-A2DD-1D6B701305EF}" type="datetime1">
               <a:rPr lang="en-US" smtClean="0"/>
-              <a:t>5/16/2019</a:t>
+              <a:t>5/17/2019</a:t>
             </a:fld>
             <a:endParaRPr lang="en-US" dirty="0"/>
           </a:p>
@@ -9654,7 +9654,7 @@
           <a:p>
             <a:fld id="{960DCCCF-668D-43BB-A81F-45D0418D026F}" type="datetime1">
               <a:rPr lang="en-US" smtClean="0"/>
-              <a:t>5/16/2019</a:t>
+              <a:t>5/17/2019</a:t>
             </a:fld>
             <a:endParaRPr lang="en-US" dirty="0"/>
           </a:p>
@@ -9781,7 +9781,7 @@
           <a:p>
             <a:fld id="{8A206B8C-BABF-4DA8-B1B1-A32DA226D90D}" type="datetime1">
               <a:rPr lang="en-US" smtClean="0"/>
-              <a:t>5/16/2019</a:t>
+              <a:t>5/17/2019</a:t>
             </a:fld>
             <a:endParaRPr lang="en-US" dirty="0"/>
           </a:p>
@@ -9876,7 +9876,7 @@
           <a:p>
             <a:fld id="{B320BB08-8EAF-47B4-87BC-D2BE74C2E4DE}" type="datetime1">
               <a:rPr lang="en-US" smtClean="0"/>
-              <a:t>5/16/2019</a:t>
+              <a:t>5/17/2019</a:t>
             </a:fld>
             <a:endParaRPr lang="en-US" dirty="0"/>
           </a:p>
@@ -10957,7 +10957,7 @@
           <a:p>
             <a:fld id="{E2DAB452-CEB1-45ED-979B-E403760B04D7}" type="datetime1">
               <a:rPr lang="en-US" smtClean="0"/>
-              <a:t>5/16/2019</a:t>
+              <a:t>5/17/2019</a:t>
             </a:fld>
             <a:endParaRPr lang="en-US" dirty="0"/>
           </a:p>
@@ -12065,7 +12065,7 @@
           <a:p>
             <a:fld id="{B466DF42-38B2-47BE-A437-2804865BD4E5}" type="datetime1">
               <a:rPr lang="en-US" smtClean="0"/>
-              <a:t>5/16/2019</a:t>
+              <a:t>5/17/2019</a:t>
             </a:fld>
             <a:endParaRPr lang="en-US" dirty="0"/>
           </a:p>
@@ -13062,7 +13062,7 @@
           <a:p>
             <a:fld id="{E2D66BD8-3D9A-4978-8527-91F6C6C237FE}" type="datetime1">
               <a:rPr lang="en-US" smtClean="0"/>
-              <a:t>5/16/2019</a:t>
+              <a:t>5/17/2019</a:t>
             </a:fld>
             <a:endParaRPr lang="en-US" dirty="0"/>
           </a:p>
@@ -14673,7 +14673,12 @@
             <p:ph idx="1"/>
           </p:nvPr>
         </p:nvSpPr>
-        <p:spPr/>
+        <p:spPr>
+          <a:xfrm>
+            <a:off x="1154954" y="2603500"/>
+            <a:ext cx="3045985" cy="3416300"/>
+          </a:xfrm>
+        </p:spPr>
         <p:txBody>
           <a:bodyPr/>
           <a:lstStyle/>
@@ -14715,6 +14720,36 @@
           </a:p>
         </p:txBody>
       </p:sp>
+      <p:pic>
+        <p:nvPicPr>
+          <p:cNvPr id="7" name="Picture 6">
+            <a:extLst>
+              <a:ext uri="{FF2B5EF4-FFF2-40B4-BE49-F238E27FC236}">
+                <a16:creationId xmlns:a16="http://schemas.microsoft.com/office/drawing/2014/main" id="{A5ED9C43-B367-4247-908C-C733E3674232}"/>
+              </a:ext>
+            </a:extLst>
+          </p:cNvPr>
+          <p:cNvPicPr>
+            <a:picLocks noChangeAspect="1"/>
+          </p:cNvPicPr>
+          <p:nvPr/>
+        </p:nvPicPr>
+        <p:blipFill>
+          <a:blip r:embed="rId2"/>
+          <a:stretch>
+            <a:fillRect/>
+          </a:stretch>
+        </p:blipFill>
+        <p:spPr>
+          <a:xfrm>
+            <a:off x="4913764" y="2799896"/>
+            <a:ext cx="5857875" cy="3762375"/>
+          </a:xfrm>
+          <a:prstGeom prst="rect">
+            <a:avLst/>
+          </a:prstGeom>
+        </p:spPr>
+      </p:pic>
     </p:spTree>
     <p:extLst>
       <p:ext uri="{BB962C8B-B14F-4D97-AF65-F5344CB8AC3E}">

--- a/Proyecto2/Presentacion Proyecto 2.pptx
+++ b/Proyecto2/Presentacion Proyecto 2.pptx
@@ -13802,7 +13802,10 @@
           <a:bodyPr/>
           <a:lstStyle/>
           <a:p>
-            <a:endParaRPr lang="es-ES"/>
+            <a:r>
+              <a:rPr lang="es-ES"/>
+              <a:t>Fuentes</a:t>
+            </a:r>
           </a:p>
         </p:txBody>
       </p:sp>
@@ -14801,7 +14804,10 @@
           <a:bodyPr/>
           <a:lstStyle/>
           <a:p>
-            <a:endParaRPr lang="es-ES"/>
+            <a:r>
+              <a:rPr lang="es-ES" dirty="0"/>
+              <a:t>Escena “B”</a:t>
+            </a:r>
           </a:p>
         </p:txBody>
       </p:sp>
@@ -14952,7 +14958,10 @@
           <a:bodyPr/>
           <a:lstStyle/>
           <a:p>
-            <a:endParaRPr lang="es-ES"/>
+            <a:r>
+              <a:rPr lang="es-ES" dirty="0"/>
+              <a:t>Escena “B”</a:t>
+            </a:r>
           </a:p>
         </p:txBody>
       </p:sp>
